--- a/California_Housing_Price_Prediction.pptx
+++ b/California_Housing_Price_Prediction.pptx
@@ -12,14 +12,15 @@
     <p:sldId id="260" r:id="rId6"/>
     <p:sldId id="266" r:id="rId7"/>
     <p:sldId id="267" r:id="rId8"/>
-    <p:sldId id="261" r:id="rId9"/>
-    <p:sldId id="262" r:id="rId10"/>
-    <p:sldId id="263" r:id="rId11"/>
-    <p:sldId id="268" r:id="rId12"/>
-    <p:sldId id="270" r:id="rId13"/>
-    <p:sldId id="269" r:id="rId14"/>
-    <p:sldId id="264" r:id="rId15"/>
-    <p:sldId id="265" r:id="rId16"/>
+    <p:sldId id="271" r:id="rId9"/>
+    <p:sldId id="261" r:id="rId10"/>
+    <p:sldId id="262" r:id="rId11"/>
+    <p:sldId id="263" r:id="rId12"/>
+    <p:sldId id="268" r:id="rId13"/>
+    <p:sldId id="270" r:id="rId14"/>
+    <p:sldId id="269" r:id="rId15"/>
+    <p:sldId id="264" r:id="rId16"/>
+    <p:sldId id="265" r:id="rId17"/>
   </p:sldIdLst>
   <p:sldSz cx="9144000" cy="6858000" type="screen4x3"/>
   <p:notesSz cx="6858000" cy="9144000"/>
@@ -135,6 +136,2597 @@
     </p:ext>
   </p:extLst>
 </p:presentation>
+</file>
+
+<file path=ppt/diagrams/colors1.xml><?xml version="1.0" encoding="utf-8"?>
+<dgm:colorsDef xmlns:dgm="http://schemas.openxmlformats.org/drawingml/2006/diagram" xmlns:a="http://schemas.openxmlformats.org/drawingml/2006/main" uniqueId="urn:microsoft.com/office/officeart/2018/5/colors/Iconchunking_neutralbg_colorful1">
+  <dgm:title val=""/>
+  <dgm:desc val=""/>
+  <dgm:catLst>
+    <dgm:cat type="colorful" pri="10100"/>
+  </dgm:catLst>
+  <dgm:styleLbl name="node0">
+    <dgm:fillClrLst meth="repeat">
+      <a:schemeClr val="accent1"/>
+    </dgm:fillClrLst>
+    <dgm:linClrLst meth="repeat">
+      <a:schemeClr val="lt1"/>
+    </dgm:linClrLst>
+    <dgm:effectClrLst/>
+    <dgm:txLinClrLst/>
+    <dgm:txFillClrLst/>
+    <dgm:txEffectClrLst/>
+  </dgm:styleLbl>
+  <dgm:styleLbl name="node1">
+    <dgm:fillClrLst meth="repeat">
+      <a:schemeClr val="accent2"/>
+      <a:schemeClr val="accent3"/>
+      <a:schemeClr val="accent4"/>
+      <a:schemeClr val="accent5"/>
+      <a:schemeClr val="accent6"/>
+    </dgm:fillClrLst>
+    <dgm:linClrLst meth="repeat">
+      <a:schemeClr val="lt1">
+        <a:alpha val="0"/>
+      </a:schemeClr>
+    </dgm:linClrLst>
+    <dgm:effectClrLst/>
+    <dgm:txLinClrLst/>
+    <dgm:txFillClrLst/>
+    <dgm:txEffectClrLst/>
+  </dgm:styleLbl>
+  <dgm:styleLbl name="alignNode1">
+    <dgm:fillClrLst meth="repeat">
+      <a:schemeClr val="accent2"/>
+      <a:schemeClr val="accent3"/>
+      <a:schemeClr val="accent4"/>
+      <a:schemeClr val="accent5"/>
+      <a:schemeClr val="accent6"/>
+    </dgm:fillClrLst>
+    <dgm:linClrLst meth="repeat">
+      <a:schemeClr val="accent2"/>
+      <a:schemeClr val="accent3"/>
+      <a:schemeClr val="accent4"/>
+      <a:schemeClr val="accent5"/>
+      <a:schemeClr val="accent6"/>
+    </dgm:linClrLst>
+    <dgm:effectClrLst/>
+    <dgm:txLinClrLst/>
+    <dgm:txFillClrLst/>
+    <dgm:txEffectClrLst/>
+  </dgm:styleLbl>
+  <dgm:styleLbl name="lnNode1">
+    <dgm:fillClrLst meth="repeat">
+      <a:schemeClr val="accent2"/>
+      <a:schemeClr val="accent3"/>
+      <a:schemeClr val="accent4"/>
+      <a:schemeClr val="accent5"/>
+      <a:schemeClr val="accent6"/>
+    </dgm:fillClrLst>
+    <dgm:linClrLst meth="repeat">
+      <a:schemeClr val="lt1"/>
+    </dgm:linClrLst>
+    <dgm:effectClrLst/>
+    <dgm:txLinClrLst/>
+    <dgm:txFillClrLst/>
+    <dgm:txEffectClrLst/>
+  </dgm:styleLbl>
+  <dgm:styleLbl name="vennNode1">
+    <dgm:fillClrLst meth="repeat">
+      <a:schemeClr val="accent2">
+        <a:alpha val="50000"/>
+      </a:schemeClr>
+      <a:schemeClr val="accent3">
+        <a:alpha val="50000"/>
+      </a:schemeClr>
+      <a:schemeClr val="accent4">
+        <a:alpha val="50000"/>
+      </a:schemeClr>
+      <a:schemeClr val="accent5">
+        <a:alpha val="50000"/>
+      </a:schemeClr>
+      <a:schemeClr val="accent6">
+        <a:alpha val="50000"/>
+      </a:schemeClr>
+    </dgm:fillClrLst>
+    <dgm:linClrLst meth="repeat">
+      <a:schemeClr val="lt1"/>
+    </dgm:linClrLst>
+    <dgm:effectClrLst/>
+    <dgm:txLinClrLst/>
+    <dgm:txFillClrLst/>
+    <dgm:txEffectClrLst/>
+  </dgm:styleLbl>
+  <dgm:styleLbl name="node2">
+    <dgm:fillClrLst>
+      <a:schemeClr val="accent2"/>
+    </dgm:fillClrLst>
+    <dgm:linClrLst meth="repeat">
+      <a:schemeClr val="lt1"/>
+    </dgm:linClrLst>
+    <dgm:effectClrLst/>
+    <dgm:txLinClrLst/>
+    <dgm:txFillClrLst/>
+    <dgm:txEffectClrLst/>
+  </dgm:styleLbl>
+  <dgm:styleLbl name="node3">
+    <dgm:fillClrLst>
+      <a:schemeClr val="accent3"/>
+    </dgm:fillClrLst>
+    <dgm:linClrLst meth="repeat">
+      <a:schemeClr val="lt1"/>
+    </dgm:linClrLst>
+    <dgm:effectClrLst/>
+    <dgm:txLinClrLst/>
+    <dgm:txFillClrLst/>
+    <dgm:txEffectClrLst/>
+  </dgm:styleLbl>
+  <dgm:styleLbl name="node4">
+    <dgm:fillClrLst>
+      <a:schemeClr val="accent4"/>
+    </dgm:fillClrLst>
+    <dgm:linClrLst meth="repeat">
+      <a:schemeClr val="lt1"/>
+    </dgm:linClrLst>
+    <dgm:effectClrLst/>
+    <dgm:txLinClrLst/>
+    <dgm:txFillClrLst/>
+    <dgm:txEffectClrLst/>
+  </dgm:styleLbl>
+  <dgm:styleLbl name="fgImgPlace1">
+    <dgm:fillClrLst meth="repeat">
+      <a:schemeClr val="accent2">
+        <a:tint val="50000"/>
+      </a:schemeClr>
+      <a:schemeClr val="accent3">
+        <a:tint val="50000"/>
+      </a:schemeClr>
+      <a:schemeClr val="accent4">
+        <a:tint val="50000"/>
+      </a:schemeClr>
+      <a:schemeClr val="accent5">
+        <a:tint val="50000"/>
+      </a:schemeClr>
+      <a:schemeClr val="accent6">
+        <a:tint val="50000"/>
+      </a:schemeClr>
+    </dgm:fillClrLst>
+    <dgm:linClrLst meth="repeat">
+      <a:schemeClr val="lt1"/>
+    </dgm:linClrLst>
+    <dgm:effectClrLst/>
+    <dgm:txLinClrLst/>
+    <dgm:txFillClrLst meth="repeat">
+      <a:schemeClr val="lt1"/>
+    </dgm:txFillClrLst>
+    <dgm:txEffectClrLst/>
+  </dgm:styleLbl>
+  <dgm:styleLbl name="alignImgPlace1">
+    <dgm:fillClrLst>
+      <a:schemeClr val="accent1">
+        <a:tint val="50000"/>
+      </a:schemeClr>
+      <a:schemeClr val="accent2">
+        <a:tint val="20000"/>
+      </a:schemeClr>
+    </dgm:fillClrLst>
+    <dgm:linClrLst meth="repeat">
+      <a:schemeClr val="lt1"/>
+    </dgm:linClrLst>
+    <dgm:effectClrLst/>
+    <dgm:txLinClrLst/>
+    <dgm:txFillClrLst meth="repeat">
+      <a:schemeClr val="lt1"/>
+    </dgm:txFillClrLst>
+    <dgm:txEffectClrLst/>
+  </dgm:styleLbl>
+  <dgm:styleLbl name="bgImgPlace1">
+    <dgm:fillClrLst>
+      <a:schemeClr val="accent1">
+        <a:tint val="50000"/>
+      </a:schemeClr>
+      <a:schemeClr val="accent2">
+        <a:tint val="20000"/>
+      </a:schemeClr>
+    </dgm:fillClrLst>
+    <dgm:linClrLst meth="repeat">
+      <a:schemeClr val="lt1"/>
+    </dgm:linClrLst>
+    <dgm:effectClrLst/>
+    <dgm:txLinClrLst/>
+    <dgm:txFillClrLst meth="repeat">
+      <a:schemeClr val="lt1"/>
+    </dgm:txFillClrLst>
+    <dgm:txEffectClrLst/>
+  </dgm:styleLbl>
+  <dgm:styleLbl name="sibTrans2D1">
+    <dgm:fillClrLst meth="repeat">
+      <a:schemeClr val="accent2"/>
+      <a:schemeClr val="accent3"/>
+      <a:schemeClr val="accent4"/>
+      <a:schemeClr val="accent5"/>
+      <a:schemeClr val="accent6"/>
+    </dgm:fillClrLst>
+    <dgm:linClrLst meth="cycle">
+      <a:schemeClr val="lt1"/>
+    </dgm:linClrLst>
+    <dgm:effectClrLst/>
+    <dgm:txLinClrLst/>
+    <dgm:txFillClrLst/>
+    <dgm:txEffectClrLst/>
+  </dgm:styleLbl>
+  <dgm:styleLbl name="fgSibTrans2D1">
+    <dgm:fillClrLst meth="repeat">
+      <a:schemeClr val="accent2"/>
+      <a:schemeClr val="accent3"/>
+      <a:schemeClr val="accent4"/>
+      <a:schemeClr val="accent5"/>
+      <a:schemeClr val="accent6"/>
+    </dgm:fillClrLst>
+    <dgm:linClrLst meth="cycle">
+      <a:schemeClr val="lt1"/>
+    </dgm:linClrLst>
+    <dgm:effectClrLst/>
+    <dgm:txLinClrLst/>
+    <dgm:txFillClrLst meth="repeat">
+      <a:schemeClr val="lt1"/>
+    </dgm:txFillClrLst>
+    <dgm:txEffectClrLst/>
+  </dgm:styleLbl>
+  <dgm:styleLbl name="bgSibTrans2D1">
+    <dgm:fillClrLst meth="repeat">
+      <a:schemeClr val="accent2"/>
+      <a:schemeClr val="accent3"/>
+      <a:schemeClr val="accent4"/>
+      <a:schemeClr val="accent5"/>
+      <a:schemeClr val="accent6"/>
+    </dgm:fillClrLst>
+    <dgm:linClrLst meth="cycle">
+      <a:schemeClr val="lt1"/>
+    </dgm:linClrLst>
+    <dgm:effectClrLst/>
+    <dgm:txLinClrLst/>
+    <dgm:txFillClrLst meth="repeat">
+      <a:schemeClr val="lt1"/>
+    </dgm:txFillClrLst>
+    <dgm:txEffectClrLst/>
+  </dgm:styleLbl>
+  <dgm:styleLbl name="sibTrans1D1">
+    <dgm:fillClrLst meth="repeat">
+      <a:schemeClr val="accent2"/>
+      <a:schemeClr val="accent3"/>
+      <a:schemeClr val="accent4"/>
+      <a:schemeClr val="accent5"/>
+      <a:schemeClr val="accent6"/>
+    </dgm:fillClrLst>
+    <dgm:linClrLst meth="repeat">
+      <a:schemeClr val="accent2"/>
+      <a:schemeClr val="accent3"/>
+      <a:schemeClr val="accent4"/>
+      <a:schemeClr val="accent5"/>
+      <a:schemeClr val="accent6"/>
+    </dgm:linClrLst>
+    <dgm:effectClrLst/>
+    <dgm:txLinClrLst/>
+    <dgm:txFillClrLst meth="repeat">
+      <a:schemeClr val="tx1"/>
+    </dgm:txFillClrLst>
+    <dgm:txEffectClrLst/>
+  </dgm:styleLbl>
+  <dgm:styleLbl name="callout">
+    <dgm:fillClrLst meth="repeat">
+      <a:schemeClr val="accent2"/>
+    </dgm:fillClrLst>
+    <dgm:linClrLst meth="repeat">
+      <a:schemeClr val="accent2">
+        <a:tint val="50000"/>
+      </a:schemeClr>
+    </dgm:linClrLst>
+    <dgm:effectClrLst/>
+    <dgm:txLinClrLst/>
+    <dgm:txFillClrLst meth="repeat">
+      <a:schemeClr val="tx1"/>
+    </dgm:txFillClrLst>
+    <dgm:txEffectClrLst/>
+  </dgm:styleLbl>
+  <dgm:styleLbl name="asst0">
+    <dgm:fillClrLst meth="repeat">
+      <a:schemeClr val="accent1"/>
+    </dgm:fillClrLst>
+    <dgm:linClrLst meth="repeat">
+      <a:schemeClr val="lt1"/>
+    </dgm:linClrLst>
+    <dgm:effectClrLst/>
+    <dgm:txLinClrLst/>
+    <dgm:txFillClrLst/>
+    <dgm:txEffectClrLst/>
+  </dgm:styleLbl>
+  <dgm:styleLbl name="asst1">
+    <dgm:fillClrLst meth="repeat">
+      <a:schemeClr val="accent2"/>
+    </dgm:fillClrLst>
+    <dgm:linClrLst meth="repeat">
+      <a:schemeClr val="lt1"/>
+    </dgm:linClrLst>
+    <dgm:effectClrLst/>
+    <dgm:txLinClrLst/>
+    <dgm:txFillClrLst/>
+    <dgm:txEffectClrLst/>
+  </dgm:styleLbl>
+  <dgm:styleLbl name="asst2">
+    <dgm:fillClrLst>
+      <a:schemeClr val="accent3"/>
+    </dgm:fillClrLst>
+    <dgm:linClrLst meth="repeat">
+      <a:schemeClr val="lt1"/>
+    </dgm:linClrLst>
+    <dgm:effectClrLst/>
+    <dgm:txLinClrLst/>
+    <dgm:txFillClrLst/>
+    <dgm:txEffectClrLst/>
+  </dgm:styleLbl>
+  <dgm:styleLbl name="asst3">
+    <dgm:fillClrLst>
+      <a:schemeClr val="accent4"/>
+    </dgm:fillClrLst>
+    <dgm:linClrLst meth="repeat">
+      <a:schemeClr val="lt1"/>
+    </dgm:linClrLst>
+    <dgm:effectClrLst/>
+    <dgm:txLinClrLst/>
+    <dgm:txFillClrLst/>
+    <dgm:txEffectClrLst/>
+  </dgm:styleLbl>
+  <dgm:styleLbl name="asst4">
+    <dgm:fillClrLst>
+      <a:schemeClr val="accent5"/>
+    </dgm:fillClrLst>
+    <dgm:linClrLst meth="repeat">
+      <a:schemeClr val="lt1"/>
+    </dgm:linClrLst>
+    <dgm:effectClrLst/>
+    <dgm:txLinClrLst/>
+    <dgm:txFillClrLst/>
+    <dgm:txEffectClrLst/>
+  </dgm:styleLbl>
+  <dgm:styleLbl name="parChTrans2D1">
+    <dgm:fillClrLst meth="repeat">
+      <a:schemeClr val="accent2"/>
+    </dgm:fillClrLst>
+    <dgm:linClrLst meth="repeat">
+      <a:schemeClr val="lt1"/>
+    </dgm:linClrLst>
+    <dgm:effectClrLst/>
+    <dgm:txLinClrLst/>
+    <dgm:txFillClrLst meth="repeat">
+      <a:schemeClr val="lt1"/>
+    </dgm:txFillClrLst>
+    <dgm:txEffectClrLst/>
+  </dgm:styleLbl>
+  <dgm:styleLbl name="parChTrans2D2">
+    <dgm:fillClrLst meth="repeat">
+      <a:schemeClr val="accent3"/>
+    </dgm:fillClrLst>
+    <dgm:linClrLst meth="repeat">
+      <a:schemeClr val="lt1"/>
+    </dgm:linClrLst>
+    <dgm:effectClrLst/>
+    <dgm:txLinClrLst/>
+    <dgm:txFillClrLst/>
+    <dgm:txEffectClrLst/>
+  </dgm:styleLbl>
+  <dgm:styleLbl name="parChTrans2D3">
+    <dgm:fillClrLst meth="repeat">
+      <a:schemeClr val="accent4"/>
+    </dgm:fillClrLst>
+    <dgm:linClrLst meth="repeat">
+      <a:schemeClr val="lt1"/>
+    </dgm:linClrLst>
+    <dgm:effectClrLst/>
+    <dgm:txLinClrLst/>
+    <dgm:txFillClrLst/>
+    <dgm:txEffectClrLst/>
+  </dgm:styleLbl>
+  <dgm:styleLbl name="parChTrans2D4">
+    <dgm:fillClrLst meth="repeat">
+      <a:schemeClr val="accent5"/>
+    </dgm:fillClrLst>
+    <dgm:linClrLst meth="repeat">
+      <a:schemeClr val="lt1"/>
+    </dgm:linClrLst>
+    <dgm:effectClrLst/>
+    <dgm:txLinClrLst/>
+    <dgm:txFillClrLst meth="repeat">
+      <a:schemeClr val="lt1"/>
+    </dgm:txFillClrLst>
+    <dgm:txEffectClrLst/>
+  </dgm:styleLbl>
+  <dgm:styleLbl name="parChTrans1D1">
+    <dgm:fillClrLst meth="repeat">
+      <a:schemeClr val="accent2"/>
+    </dgm:fillClrLst>
+    <dgm:linClrLst meth="repeat">
+      <a:schemeClr val="accent1"/>
+    </dgm:linClrLst>
+    <dgm:effectClrLst/>
+    <dgm:txLinClrLst/>
+    <dgm:txFillClrLst meth="repeat">
+      <a:schemeClr val="tx1"/>
+    </dgm:txFillClrLst>
+    <dgm:txEffectClrLst/>
+  </dgm:styleLbl>
+  <dgm:styleLbl name="parChTrans1D2">
+    <dgm:fillClrLst meth="repeat">
+      <a:schemeClr val="accent3">
+        <a:tint val="90000"/>
+      </a:schemeClr>
+    </dgm:fillClrLst>
+    <dgm:linClrLst meth="repeat">
+      <a:schemeClr val="accent2"/>
+    </dgm:linClrLst>
+    <dgm:effectClrLst/>
+    <dgm:txLinClrLst/>
+    <dgm:txFillClrLst meth="repeat">
+      <a:schemeClr val="tx1"/>
+    </dgm:txFillClrLst>
+    <dgm:txEffectClrLst/>
+  </dgm:styleLbl>
+  <dgm:styleLbl name="parChTrans1D3">
+    <dgm:fillClrLst meth="repeat">
+      <a:schemeClr val="accent4">
+        <a:tint val="70000"/>
+      </a:schemeClr>
+    </dgm:fillClrLst>
+    <dgm:linClrLst meth="repeat">
+      <a:schemeClr val="accent3"/>
+    </dgm:linClrLst>
+    <dgm:effectClrLst/>
+    <dgm:txLinClrLst/>
+    <dgm:txFillClrLst meth="repeat">
+      <a:schemeClr val="tx1"/>
+    </dgm:txFillClrLst>
+    <dgm:txEffectClrLst/>
+  </dgm:styleLbl>
+  <dgm:styleLbl name="parChTrans1D4">
+    <dgm:fillClrLst meth="repeat">
+      <a:schemeClr val="accent5">
+        <a:tint val="50000"/>
+      </a:schemeClr>
+    </dgm:fillClrLst>
+    <dgm:linClrLst meth="repeat">
+      <a:schemeClr val="accent4"/>
+    </dgm:linClrLst>
+    <dgm:effectClrLst/>
+    <dgm:txLinClrLst/>
+    <dgm:txFillClrLst meth="repeat">
+      <a:schemeClr val="tx1"/>
+    </dgm:txFillClrLst>
+    <dgm:txEffectClrLst/>
+  </dgm:styleLbl>
+  <dgm:styleLbl name="fgAcc1">
+    <dgm:fillClrLst meth="repeat">
+      <a:schemeClr val="lt1">
+        <a:alpha val="90000"/>
+      </a:schemeClr>
+    </dgm:fillClrLst>
+    <dgm:linClrLst meth="repeat">
+      <a:schemeClr val="accent2"/>
+      <a:schemeClr val="accent3"/>
+      <a:schemeClr val="accent4"/>
+      <a:schemeClr val="accent5"/>
+      <a:schemeClr val="accent6"/>
+    </dgm:linClrLst>
+    <dgm:effectClrLst/>
+    <dgm:txLinClrLst/>
+    <dgm:txFillClrLst meth="repeat">
+      <a:schemeClr val="dk1"/>
+    </dgm:txFillClrLst>
+    <dgm:txEffectClrLst/>
+  </dgm:styleLbl>
+  <dgm:styleLbl name="conFgAcc1">
+    <dgm:fillClrLst meth="repeat">
+      <a:schemeClr val="lt1">
+        <a:alpha val="90000"/>
+      </a:schemeClr>
+    </dgm:fillClrLst>
+    <dgm:linClrLst meth="repeat">
+      <a:schemeClr val="accent2"/>
+      <a:schemeClr val="accent3"/>
+      <a:schemeClr val="accent4"/>
+      <a:schemeClr val="accent5"/>
+      <a:schemeClr val="accent6"/>
+    </dgm:linClrLst>
+    <dgm:effectClrLst/>
+    <dgm:txLinClrLst/>
+    <dgm:txFillClrLst meth="repeat">
+      <a:schemeClr val="dk1"/>
+    </dgm:txFillClrLst>
+    <dgm:txEffectClrLst/>
+  </dgm:styleLbl>
+  <dgm:styleLbl name="alignAcc1">
+    <dgm:fillClrLst meth="repeat">
+      <a:schemeClr val="lt1">
+        <a:alpha val="90000"/>
+      </a:schemeClr>
+    </dgm:fillClrLst>
+    <dgm:linClrLst meth="repeat">
+      <a:schemeClr val="accent2"/>
+      <a:schemeClr val="accent3"/>
+      <a:schemeClr val="accent4"/>
+      <a:schemeClr val="accent5"/>
+      <a:schemeClr val="accent6"/>
+    </dgm:linClrLst>
+    <dgm:effectClrLst/>
+    <dgm:txLinClrLst/>
+    <dgm:txFillClrLst meth="repeat">
+      <a:schemeClr val="dk1"/>
+    </dgm:txFillClrLst>
+    <dgm:txEffectClrLst/>
+  </dgm:styleLbl>
+  <dgm:styleLbl name="trAlignAcc1">
+    <dgm:fillClrLst meth="repeat">
+      <a:schemeClr val="lt1">
+        <a:alpha val="40000"/>
+      </a:schemeClr>
+    </dgm:fillClrLst>
+    <dgm:linClrLst meth="repeat">
+      <a:schemeClr val="accent1"/>
+    </dgm:linClrLst>
+    <dgm:effectClrLst/>
+    <dgm:txLinClrLst/>
+    <dgm:txFillClrLst meth="repeat">
+      <a:schemeClr val="dk1"/>
+    </dgm:txFillClrLst>
+    <dgm:txEffectClrLst/>
+  </dgm:styleLbl>
+  <dgm:styleLbl name="bgAcc1">
+    <dgm:fillClrLst meth="repeat">
+      <a:schemeClr val="lt1">
+        <a:alpha val="90000"/>
+      </a:schemeClr>
+    </dgm:fillClrLst>
+    <dgm:linClrLst meth="repeat">
+      <a:schemeClr val="accent2"/>
+      <a:schemeClr val="accent3"/>
+      <a:schemeClr val="accent4"/>
+      <a:schemeClr val="accent5"/>
+      <a:schemeClr val="accent6"/>
+    </dgm:linClrLst>
+    <dgm:effectClrLst/>
+    <dgm:txLinClrLst/>
+    <dgm:txFillClrLst meth="repeat">
+      <a:schemeClr val="dk1"/>
+    </dgm:txFillClrLst>
+    <dgm:txEffectClrLst/>
+  </dgm:styleLbl>
+  <dgm:styleLbl name="solidFgAcc1">
+    <dgm:fillClrLst meth="repeat">
+      <a:schemeClr val="lt1"/>
+    </dgm:fillClrLst>
+    <dgm:linClrLst meth="repeat">
+      <a:schemeClr val="accent2"/>
+      <a:schemeClr val="accent3"/>
+      <a:schemeClr val="accent4"/>
+      <a:schemeClr val="accent5"/>
+      <a:schemeClr val="accent6"/>
+    </dgm:linClrLst>
+    <dgm:effectClrLst/>
+    <dgm:txLinClrLst/>
+    <dgm:txFillClrLst meth="repeat">
+      <a:schemeClr val="dk1"/>
+    </dgm:txFillClrLst>
+    <dgm:txEffectClrLst/>
+  </dgm:styleLbl>
+  <dgm:styleLbl name="solidAlignAcc1">
+    <dgm:fillClrLst meth="repeat">
+      <a:schemeClr val="lt1"/>
+    </dgm:fillClrLst>
+    <dgm:linClrLst meth="repeat">
+      <a:schemeClr val="accent2"/>
+      <a:schemeClr val="accent3"/>
+      <a:schemeClr val="accent4"/>
+      <a:schemeClr val="accent5"/>
+      <a:schemeClr val="accent6"/>
+    </dgm:linClrLst>
+    <dgm:effectClrLst/>
+    <dgm:txLinClrLst/>
+    <dgm:txFillClrLst meth="repeat">
+      <a:schemeClr val="dk1"/>
+    </dgm:txFillClrLst>
+    <dgm:txEffectClrLst/>
+  </dgm:styleLbl>
+  <dgm:styleLbl name="solidBgAcc1">
+    <dgm:fillClrLst meth="repeat">
+      <a:schemeClr val="lt1"/>
+    </dgm:fillClrLst>
+    <dgm:linClrLst meth="repeat">
+      <a:schemeClr val="accent2"/>
+      <a:schemeClr val="accent3"/>
+      <a:schemeClr val="accent4"/>
+      <a:schemeClr val="accent5"/>
+      <a:schemeClr val="accent6"/>
+    </dgm:linClrLst>
+    <dgm:effectClrLst/>
+    <dgm:txLinClrLst/>
+    <dgm:txFillClrLst meth="repeat">
+      <a:schemeClr val="dk1"/>
+    </dgm:txFillClrLst>
+    <dgm:txEffectClrLst/>
+  </dgm:styleLbl>
+  <dgm:styleLbl name="fgAccFollowNode1">
+    <dgm:fillClrLst meth="repeat">
+      <a:schemeClr val="accent2">
+        <a:tint val="40000"/>
+        <a:alpha val="90000"/>
+      </a:schemeClr>
+      <a:schemeClr val="accent3">
+        <a:tint val="40000"/>
+        <a:alpha val="90000"/>
+      </a:schemeClr>
+      <a:schemeClr val="accent4">
+        <a:tint val="40000"/>
+        <a:alpha val="90000"/>
+      </a:schemeClr>
+      <a:schemeClr val="accent5">
+        <a:tint val="40000"/>
+        <a:alpha val="90000"/>
+      </a:schemeClr>
+      <a:schemeClr val="accent6">
+        <a:tint val="40000"/>
+        <a:alpha val="90000"/>
+      </a:schemeClr>
+    </dgm:fillClrLst>
+    <dgm:linClrLst meth="repeat">
+      <a:schemeClr val="accent2">
+        <a:tint val="40000"/>
+        <a:alpha val="90000"/>
+      </a:schemeClr>
+      <a:schemeClr val="accent3">
+        <a:tint val="40000"/>
+        <a:alpha val="90000"/>
+      </a:schemeClr>
+      <a:schemeClr val="accent4">
+        <a:tint val="40000"/>
+        <a:alpha val="90000"/>
+      </a:schemeClr>
+      <a:schemeClr val="accent5">
+        <a:tint val="40000"/>
+        <a:alpha val="90000"/>
+      </a:schemeClr>
+      <a:schemeClr val="accent6">
+        <a:tint val="40000"/>
+        <a:alpha val="90000"/>
+      </a:schemeClr>
+    </dgm:linClrLst>
+    <dgm:effectClrLst/>
+    <dgm:txLinClrLst/>
+    <dgm:txFillClrLst meth="repeat">
+      <a:schemeClr val="dk1"/>
+    </dgm:txFillClrLst>
+    <dgm:txEffectClrLst/>
+  </dgm:styleLbl>
+  <dgm:styleLbl name="alignAccFollowNode1">
+    <dgm:fillClrLst meth="repeat">
+      <a:schemeClr val="accent2">
+        <a:tint val="40000"/>
+        <a:alpha val="90000"/>
+      </a:schemeClr>
+      <a:schemeClr val="accent3">
+        <a:tint val="40000"/>
+        <a:alpha val="90000"/>
+      </a:schemeClr>
+      <a:schemeClr val="accent4">
+        <a:tint val="40000"/>
+        <a:alpha val="90000"/>
+      </a:schemeClr>
+      <a:schemeClr val="accent5">
+        <a:tint val="40000"/>
+        <a:alpha val="90000"/>
+      </a:schemeClr>
+      <a:schemeClr val="accent6">
+        <a:tint val="40000"/>
+        <a:alpha val="90000"/>
+      </a:schemeClr>
+    </dgm:fillClrLst>
+    <dgm:linClrLst meth="repeat">
+      <a:schemeClr val="accent2">
+        <a:tint val="40000"/>
+        <a:alpha val="90000"/>
+      </a:schemeClr>
+      <a:schemeClr val="accent3">
+        <a:tint val="40000"/>
+        <a:alpha val="90000"/>
+      </a:schemeClr>
+      <a:schemeClr val="accent4">
+        <a:tint val="40000"/>
+        <a:alpha val="90000"/>
+      </a:schemeClr>
+      <a:schemeClr val="accent5">
+        <a:tint val="40000"/>
+        <a:alpha val="90000"/>
+      </a:schemeClr>
+      <a:schemeClr val="accent6">
+        <a:tint val="40000"/>
+        <a:alpha val="90000"/>
+      </a:schemeClr>
+    </dgm:linClrLst>
+    <dgm:effectClrLst/>
+    <dgm:txLinClrLst/>
+    <dgm:txFillClrLst meth="repeat">
+      <a:schemeClr val="dk1"/>
+    </dgm:txFillClrLst>
+    <dgm:txEffectClrLst/>
+  </dgm:styleLbl>
+  <dgm:styleLbl name="bgAccFollowNode1">
+    <dgm:fillClrLst meth="repeat">
+      <a:schemeClr val="accent2">
+        <a:tint val="40000"/>
+        <a:alpha val="90000"/>
+      </a:schemeClr>
+      <a:schemeClr val="accent3">
+        <a:tint val="40000"/>
+        <a:alpha val="90000"/>
+      </a:schemeClr>
+      <a:schemeClr val="accent4">
+        <a:tint val="40000"/>
+        <a:alpha val="90000"/>
+      </a:schemeClr>
+      <a:schemeClr val="accent5">
+        <a:tint val="40000"/>
+        <a:alpha val="90000"/>
+      </a:schemeClr>
+      <a:schemeClr val="accent6">
+        <a:tint val="40000"/>
+        <a:alpha val="90000"/>
+      </a:schemeClr>
+    </dgm:fillClrLst>
+    <dgm:linClrLst meth="repeat">
+      <a:schemeClr val="accent2">
+        <a:tint val="40000"/>
+        <a:alpha val="90000"/>
+      </a:schemeClr>
+      <a:schemeClr val="accent3">
+        <a:tint val="40000"/>
+        <a:alpha val="90000"/>
+      </a:schemeClr>
+      <a:schemeClr val="accent4">
+        <a:tint val="40000"/>
+        <a:alpha val="90000"/>
+      </a:schemeClr>
+      <a:schemeClr val="accent5">
+        <a:tint val="40000"/>
+        <a:alpha val="90000"/>
+      </a:schemeClr>
+      <a:schemeClr val="accent6">
+        <a:tint val="40000"/>
+        <a:alpha val="90000"/>
+      </a:schemeClr>
+    </dgm:linClrLst>
+    <dgm:effectClrLst/>
+    <dgm:txLinClrLst/>
+    <dgm:txFillClrLst meth="repeat">
+      <a:schemeClr val="dk1"/>
+    </dgm:txFillClrLst>
+    <dgm:txEffectClrLst/>
+  </dgm:styleLbl>
+  <dgm:styleLbl name="fgAcc0">
+    <dgm:fillClrLst meth="repeat">
+      <a:schemeClr val="lt1">
+        <a:alpha val="90000"/>
+      </a:schemeClr>
+    </dgm:fillClrLst>
+    <dgm:linClrLst>
+      <a:schemeClr val="accent1"/>
+    </dgm:linClrLst>
+    <dgm:effectClrLst/>
+    <dgm:txLinClrLst/>
+    <dgm:txFillClrLst meth="repeat">
+      <a:schemeClr val="dk1"/>
+    </dgm:txFillClrLst>
+    <dgm:txEffectClrLst/>
+  </dgm:styleLbl>
+  <dgm:styleLbl name="fgAcc2">
+    <dgm:fillClrLst meth="repeat">
+      <a:schemeClr val="lt1">
+        <a:alpha val="90000"/>
+      </a:schemeClr>
+    </dgm:fillClrLst>
+    <dgm:linClrLst>
+      <a:schemeClr val="accent2"/>
+    </dgm:linClrLst>
+    <dgm:effectClrLst/>
+    <dgm:txLinClrLst/>
+    <dgm:txFillClrLst meth="repeat">
+      <a:schemeClr val="dk1"/>
+    </dgm:txFillClrLst>
+    <dgm:txEffectClrLst/>
+  </dgm:styleLbl>
+  <dgm:styleLbl name="fgAcc3">
+    <dgm:fillClrLst meth="repeat">
+      <a:schemeClr val="lt1">
+        <a:alpha val="90000"/>
+      </a:schemeClr>
+    </dgm:fillClrLst>
+    <dgm:linClrLst>
+      <a:schemeClr val="accent3"/>
+    </dgm:linClrLst>
+    <dgm:effectClrLst/>
+    <dgm:txLinClrLst/>
+    <dgm:txFillClrLst meth="repeat">
+      <a:schemeClr val="dk1"/>
+    </dgm:txFillClrLst>
+    <dgm:txEffectClrLst/>
+  </dgm:styleLbl>
+  <dgm:styleLbl name="fgAcc4">
+    <dgm:fillClrLst meth="repeat">
+      <a:schemeClr val="lt1">
+        <a:alpha val="90000"/>
+      </a:schemeClr>
+    </dgm:fillClrLst>
+    <dgm:linClrLst>
+      <a:schemeClr val="accent4"/>
+    </dgm:linClrLst>
+    <dgm:effectClrLst/>
+    <dgm:txLinClrLst/>
+    <dgm:txFillClrLst meth="repeat">
+      <a:schemeClr val="dk1"/>
+    </dgm:txFillClrLst>
+    <dgm:txEffectClrLst/>
+  </dgm:styleLbl>
+  <dgm:styleLbl name="bgShp">
+    <dgm:fillClrLst meth="repeat">
+      <a:schemeClr val="bg1">
+        <a:lumMod val="95000"/>
+      </a:schemeClr>
+    </dgm:fillClrLst>
+    <dgm:linClrLst meth="repeat">
+      <a:schemeClr val="dk1"/>
+    </dgm:linClrLst>
+    <dgm:effectClrLst/>
+    <dgm:txLinClrLst/>
+    <dgm:txFillClrLst meth="repeat">
+      <a:schemeClr val="dk1"/>
+    </dgm:txFillClrLst>
+    <dgm:txEffectClrLst/>
+  </dgm:styleLbl>
+  <dgm:styleLbl name="dkBgShp">
+    <dgm:fillClrLst meth="repeat">
+      <a:schemeClr val="accent2">
+        <a:shade val="90000"/>
+      </a:schemeClr>
+    </dgm:fillClrLst>
+    <dgm:linClrLst meth="repeat">
+      <a:schemeClr val="dk1"/>
+    </dgm:linClrLst>
+    <dgm:effectClrLst/>
+    <dgm:txLinClrLst/>
+    <dgm:txFillClrLst meth="repeat">
+      <a:schemeClr val="lt1"/>
+    </dgm:txFillClrLst>
+    <dgm:txEffectClrLst/>
+  </dgm:styleLbl>
+  <dgm:styleLbl name="trBgShp">
+    <dgm:fillClrLst meth="repeat">
+      <a:schemeClr val="accent1">
+        <a:tint val="50000"/>
+        <a:alpha val="40000"/>
+      </a:schemeClr>
+    </dgm:fillClrLst>
+    <dgm:linClrLst meth="repeat">
+      <a:schemeClr val="accent2"/>
+    </dgm:linClrLst>
+    <dgm:effectClrLst/>
+    <dgm:txLinClrLst/>
+    <dgm:txFillClrLst meth="repeat">
+      <a:schemeClr val="lt1"/>
+    </dgm:txFillClrLst>
+    <dgm:txEffectClrLst/>
+  </dgm:styleLbl>
+  <dgm:styleLbl name="fgShp">
+    <dgm:fillClrLst meth="repeat">
+      <a:schemeClr val="accent2">
+        <a:tint val="40000"/>
+      </a:schemeClr>
+    </dgm:fillClrLst>
+    <dgm:linClrLst meth="repeat">
+      <a:schemeClr val="lt1"/>
+    </dgm:linClrLst>
+    <dgm:effectClrLst/>
+    <dgm:txLinClrLst/>
+    <dgm:txFillClrLst meth="repeat">
+      <a:schemeClr val="dk1"/>
+    </dgm:txFillClrLst>
+    <dgm:txEffectClrLst/>
+  </dgm:styleLbl>
+  <dgm:styleLbl name="revTx">
+    <dgm:fillClrLst meth="repeat">
+      <a:schemeClr val="lt1">
+        <a:alpha val="0"/>
+      </a:schemeClr>
+    </dgm:fillClrLst>
+    <dgm:linClrLst meth="repeat">
+      <a:schemeClr val="dk1">
+        <a:alpha val="0"/>
+      </a:schemeClr>
+    </dgm:linClrLst>
+    <dgm:effectClrLst/>
+    <dgm:txLinClrLst/>
+    <dgm:txFillClrLst meth="repeat">
+      <a:schemeClr val="tx1"/>
+    </dgm:txFillClrLst>
+    <dgm:txEffectClrLst/>
+  </dgm:styleLbl>
+</dgm:colorsDef>
+</file>
+
+<file path=ppt/diagrams/data1.xml><?xml version="1.0" encoding="utf-8"?>
+<dgm:dataModel xmlns:dgm="http://schemas.openxmlformats.org/drawingml/2006/diagram" xmlns:a="http://schemas.openxmlformats.org/drawingml/2006/main">
+  <dgm:ptLst>
+    <dgm:pt modelId="{3F436C16-21F5-49E0-B09E-B0C2DE9A716C}" type="doc">
+      <dgm:prSet loTypeId="urn:microsoft.com/office/officeart/2018/2/layout/IconLabelList" loCatId="icon" qsTypeId="urn:microsoft.com/office/officeart/2005/8/quickstyle/simple1" qsCatId="simple" csTypeId="urn:microsoft.com/office/officeart/2018/5/colors/Iconchunking_neutralbg_colorful1" csCatId="colorful" phldr="1"/>
+      <dgm:spPr/>
+      <dgm:t>
+        <a:bodyPr/>
+        <a:lstStyle/>
+        <a:p>
+          <a:endParaRPr lang="en-US"/>
+        </a:p>
+      </dgm:t>
+    </dgm:pt>
+    <dgm:pt modelId="{DB391C64-6588-4CFF-9D24-12F1256FDF10}">
+      <dgm:prSet/>
+      <dgm:spPr/>
+      <dgm:t>
+        <a:bodyPr/>
+        <a:lstStyle/>
+        <a:p>
+          <a:r>
+            <a:rPr lang="en-US"/>
+            <a:t>Learned: Feature engineering, diagnostics crucial</a:t>
+          </a:r>
+        </a:p>
+      </dgm:t>
+    </dgm:pt>
+    <dgm:pt modelId="{EDFF5E9D-61D3-456A-B0E0-84D8921D7F71}" type="parTrans" cxnId="{9E63420C-8643-4735-A74F-D955FFF37091}">
+      <dgm:prSet/>
+      <dgm:spPr/>
+      <dgm:t>
+        <a:bodyPr/>
+        <a:lstStyle/>
+        <a:p>
+          <a:endParaRPr lang="en-US"/>
+        </a:p>
+      </dgm:t>
+    </dgm:pt>
+    <dgm:pt modelId="{691A99FE-DE67-4BBA-8CD1-310F5429D775}" type="sibTrans" cxnId="{9E63420C-8643-4735-A74F-D955FFF37091}">
+      <dgm:prSet/>
+      <dgm:spPr/>
+      <dgm:t>
+        <a:bodyPr/>
+        <a:lstStyle/>
+        <a:p>
+          <a:endParaRPr lang="en-US"/>
+        </a:p>
+      </dgm:t>
+    </dgm:pt>
+    <dgm:pt modelId="{E1DCD33E-E4B2-4D51-9535-7D46DAD2EECB}">
+      <dgm:prSet/>
+      <dgm:spPr/>
+      <dgm:t>
+        <a:bodyPr/>
+        <a:lstStyle/>
+        <a:p>
+          <a:r>
+            <a:rPr lang="en-US"/>
+            <a:t>Next: Try XGBoost/LightGBM, add external features, deploy as web app</a:t>
+          </a:r>
+        </a:p>
+      </dgm:t>
+    </dgm:pt>
+    <dgm:pt modelId="{3B0E8F0E-D9B2-41E7-9501-E68E1AB3B14A}" type="parTrans" cxnId="{4EFBDD10-696E-4D0D-8A7D-889E8DFB3A8E}">
+      <dgm:prSet/>
+      <dgm:spPr/>
+      <dgm:t>
+        <a:bodyPr/>
+        <a:lstStyle/>
+        <a:p>
+          <a:endParaRPr lang="en-US"/>
+        </a:p>
+      </dgm:t>
+    </dgm:pt>
+    <dgm:pt modelId="{2418D786-CFA7-42D9-8422-F4C1737E20F2}" type="sibTrans" cxnId="{4EFBDD10-696E-4D0D-8A7D-889E8DFB3A8E}">
+      <dgm:prSet/>
+      <dgm:spPr/>
+      <dgm:t>
+        <a:bodyPr/>
+        <a:lstStyle/>
+        <a:p>
+          <a:endParaRPr lang="en-US"/>
+        </a:p>
+      </dgm:t>
+    </dgm:pt>
+    <dgm:pt modelId="{45529C6D-6835-456D-AF40-3B80F913DDC1}" type="pres">
+      <dgm:prSet presAssocID="{3F436C16-21F5-49E0-B09E-B0C2DE9A716C}" presName="root" presStyleCnt="0">
+        <dgm:presLayoutVars>
+          <dgm:dir/>
+          <dgm:resizeHandles val="exact"/>
+        </dgm:presLayoutVars>
+      </dgm:prSet>
+      <dgm:spPr/>
+    </dgm:pt>
+    <dgm:pt modelId="{1FF97BC1-E1E8-4031-97D6-F522003B74B6}" type="pres">
+      <dgm:prSet presAssocID="{DB391C64-6588-4CFF-9D24-12F1256FDF10}" presName="compNode" presStyleCnt="0"/>
+      <dgm:spPr/>
+    </dgm:pt>
+    <dgm:pt modelId="{98D5DDCF-5CA3-4875-8FD5-FA5F79F412C8}" type="pres">
+      <dgm:prSet presAssocID="{DB391C64-6588-4CFF-9D24-12F1256FDF10}" presName="iconRect" presStyleLbl="node1" presStyleIdx="0" presStyleCnt="2"/>
+      <dgm:spPr>
+        <a:blipFill>
+          <a:blip xmlns:r="http://schemas.openxmlformats.org/officeDocument/2006/relationships" r:embed="rId1">
+            <a:extLst>
+              <a:ext uri="{28A0092B-C50C-407E-A947-70E740481C1C}">
+                <a14:useLocalDpi xmlns:a14="http://schemas.microsoft.com/office/drawing/2010/main" val="0"/>
+              </a:ext>
+              <a:ext uri="{96DAC541-7B7A-43D3-8B79-37D633B846F1}">
+                <asvg:svgBlip xmlns:asvg="http://schemas.microsoft.com/office/drawing/2016/SVG/main" r:embed="rId2"/>
+              </a:ext>
+            </a:extLst>
+          </a:blip>
+          <a:stretch>
+            <a:fillRect/>
+          </a:stretch>
+        </a:blipFill>
+        <a:ln>
+          <a:noFill/>
+        </a:ln>
+      </dgm:spPr>
+      <dgm:extLst>
+        <a:ext uri="{E40237B7-FDA0-4F09-8148-C483321AD2D9}">
+          <dgm14:cNvPr xmlns:dgm14="http://schemas.microsoft.com/office/drawing/2010/diagram" id="0" name="" descr="Gears"/>
+        </a:ext>
+      </dgm:extLst>
+    </dgm:pt>
+    <dgm:pt modelId="{F5425BF2-EA0C-4453-8C63-D93B05F51130}" type="pres">
+      <dgm:prSet presAssocID="{DB391C64-6588-4CFF-9D24-12F1256FDF10}" presName="spaceRect" presStyleCnt="0"/>
+      <dgm:spPr/>
+    </dgm:pt>
+    <dgm:pt modelId="{A3788F6F-3948-42CD-A987-511C6E3D076D}" type="pres">
+      <dgm:prSet presAssocID="{DB391C64-6588-4CFF-9D24-12F1256FDF10}" presName="textRect" presStyleLbl="revTx" presStyleIdx="0" presStyleCnt="2">
+        <dgm:presLayoutVars>
+          <dgm:chMax val="1"/>
+          <dgm:chPref val="1"/>
+        </dgm:presLayoutVars>
+      </dgm:prSet>
+      <dgm:spPr/>
+    </dgm:pt>
+    <dgm:pt modelId="{4B9B57E9-DCD5-4FF7-B69B-5C83F877F5A0}" type="pres">
+      <dgm:prSet presAssocID="{691A99FE-DE67-4BBA-8CD1-310F5429D775}" presName="sibTrans" presStyleCnt="0"/>
+      <dgm:spPr/>
+    </dgm:pt>
+    <dgm:pt modelId="{2042992E-CF0F-4986-BE3C-5D1EA773E514}" type="pres">
+      <dgm:prSet presAssocID="{E1DCD33E-E4B2-4D51-9535-7D46DAD2EECB}" presName="compNode" presStyleCnt="0"/>
+      <dgm:spPr/>
+    </dgm:pt>
+    <dgm:pt modelId="{95667671-989D-4CD1-9044-57DFED7AD116}" type="pres">
+      <dgm:prSet presAssocID="{E1DCD33E-E4B2-4D51-9535-7D46DAD2EECB}" presName="iconRect" presStyleLbl="node1" presStyleIdx="1" presStyleCnt="2"/>
+      <dgm:spPr>
+        <a:blipFill>
+          <a:blip xmlns:r="http://schemas.openxmlformats.org/officeDocument/2006/relationships" r:embed="rId3">
+            <a:extLst>
+              <a:ext uri="{28A0092B-C50C-407E-A947-70E740481C1C}">
+                <a14:useLocalDpi xmlns:a14="http://schemas.microsoft.com/office/drawing/2010/main" val="0"/>
+              </a:ext>
+              <a:ext uri="{96DAC541-7B7A-43D3-8B79-37D633B846F1}">
+                <asvg:svgBlip xmlns:asvg="http://schemas.microsoft.com/office/drawing/2016/SVG/main" r:embed="rId4"/>
+              </a:ext>
+            </a:extLst>
+          </a:blip>
+          <a:stretch>
+            <a:fillRect/>
+          </a:stretch>
+        </a:blipFill>
+        <a:ln>
+          <a:noFill/>
+        </a:ln>
+      </dgm:spPr>
+      <dgm:extLst>
+        <a:ext uri="{E40237B7-FDA0-4F09-8148-C483321AD2D9}">
+          <dgm14:cNvPr xmlns:dgm14="http://schemas.microsoft.com/office/drawing/2010/diagram" id="0" name="" descr="Syncing Cloud"/>
+        </a:ext>
+      </dgm:extLst>
+    </dgm:pt>
+    <dgm:pt modelId="{6E31E7F8-1070-4094-AEA1-E0BB97D18171}" type="pres">
+      <dgm:prSet presAssocID="{E1DCD33E-E4B2-4D51-9535-7D46DAD2EECB}" presName="spaceRect" presStyleCnt="0"/>
+      <dgm:spPr/>
+    </dgm:pt>
+    <dgm:pt modelId="{C16DBC55-C51E-45A2-B683-ECD7A59ECFF7}" type="pres">
+      <dgm:prSet presAssocID="{E1DCD33E-E4B2-4D51-9535-7D46DAD2EECB}" presName="textRect" presStyleLbl="revTx" presStyleIdx="1" presStyleCnt="2">
+        <dgm:presLayoutVars>
+          <dgm:chMax val="1"/>
+          <dgm:chPref val="1"/>
+        </dgm:presLayoutVars>
+      </dgm:prSet>
+      <dgm:spPr/>
+    </dgm:pt>
+  </dgm:ptLst>
+  <dgm:cxnLst>
+    <dgm:cxn modelId="{9E63420C-8643-4735-A74F-D955FFF37091}" srcId="{3F436C16-21F5-49E0-B09E-B0C2DE9A716C}" destId="{DB391C64-6588-4CFF-9D24-12F1256FDF10}" srcOrd="0" destOrd="0" parTransId="{EDFF5E9D-61D3-456A-B0E0-84D8921D7F71}" sibTransId="{691A99FE-DE67-4BBA-8CD1-310F5429D775}"/>
+    <dgm:cxn modelId="{4EFBDD10-696E-4D0D-8A7D-889E8DFB3A8E}" srcId="{3F436C16-21F5-49E0-B09E-B0C2DE9A716C}" destId="{E1DCD33E-E4B2-4D51-9535-7D46DAD2EECB}" srcOrd="1" destOrd="0" parTransId="{3B0E8F0E-D9B2-41E7-9501-E68E1AB3B14A}" sibTransId="{2418D786-CFA7-42D9-8422-F4C1737E20F2}"/>
+    <dgm:cxn modelId="{9A836755-3B41-4BD2-AC83-0D7AE3D9E889}" type="presOf" srcId="{E1DCD33E-E4B2-4D51-9535-7D46DAD2EECB}" destId="{C16DBC55-C51E-45A2-B683-ECD7A59ECFF7}" srcOrd="0" destOrd="0" presId="urn:microsoft.com/office/officeart/2018/2/layout/IconLabelList"/>
+    <dgm:cxn modelId="{8F1513F3-687D-48CC-89FD-D2EB8F4338CC}" type="presOf" srcId="{3F436C16-21F5-49E0-B09E-B0C2DE9A716C}" destId="{45529C6D-6835-456D-AF40-3B80F913DDC1}" srcOrd="0" destOrd="0" presId="urn:microsoft.com/office/officeart/2018/2/layout/IconLabelList"/>
+    <dgm:cxn modelId="{A4716EF7-28BE-494B-8105-C4B91F67679F}" type="presOf" srcId="{DB391C64-6588-4CFF-9D24-12F1256FDF10}" destId="{A3788F6F-3948-42CD-A987-511C6E3D076D}" srcOrd="0" destOrd="0" presId="urn:microsoft.com/office/officeart/2018/2/layout/IconLabelList"/>
+    <dgm:cxn modelId="{8BB6026B-7826-45AF-B8D4-15EBE13FEC22}" type="presParOf" srcId="{45529C6D-6835-456D-AF40-3B80F913DDC1}" destId="{1FF97BC1-E1E8-4031-97D6-F522003B74B6}" srcOrd="0" destOrd="0" presId="urn:microsoft.com/office/officeart/2018/2/layout/IconLabelList"/>
+    <dgm:cxn modelId="{A98976C3-E991-46D5-834F-88981210E166}" type="presParOf" srcId="{1FF97BC1-E1E8-4031-97D6-F522003B74B6}" destId="{98D5DDCF-5CA3-4875-8FD5-FA5F79F412C8}" srcOrd="0" destOrd="0" presId="urn:microsoft.com/office/officeart/2018/2/layout/IconLabelList"/>
+    <dgm:cxn modelId="{34090034-3639-479B-9B7B-A4C35BABA589}" type="presParOf" srcId="{1FF97BC1-E1E8-4031-97D6-F522003B74B6}" destId="{F5425BF2-EA0C-4453-8C63-D93B05F51130}" srcOrd="1" destOrd="0" presId="urn:microsoft.com/office/officeart/2018/2/layout/IconLabelList"/>
+    <dgm:cxn modelId="{F0743692-B2FE-4904-B621-3A775C1DAF04}" type="presParOf" srcId="{1FF97BC1-E1E8-4031-97D6-F522003B74B6}" destId="{A3788F6F-3948-42CD-A987-511C6E3D076D}" srcOrd="2" destOrd="0" presId="urn:microsoft.com/office/officeart/2018/2/layout/IconLabelList"/>
+    <dgm:cxn modelId="{9B0B50A7-B725-4EAA-9FC5-E74AFBA9E44E}" type="presParOf" srcId="{45529C6D-6835-456D-AF40-3B80F913DDC1}" destId="{4B9B57E9-DCD5-4FF7-B69B-5C83F877F5A0}" srcOrd="1" destOrd="0" presId="urn:microsoft.com/office/officeart/2018/2/layout/IconLabelList"/>
+    <dgm:cxn modelId="{79DD954D-A78C-41BE-AE00-EF408CE5CC43}" type="presParOf" srcId="{45529C6D-6835-456D-AF40-3B80F913DDC1}" destId="{2042992E-CF0F-4986-BE3C-5D1EA773E514}" srcOrd="2" destOrd="0" presId="urn:microsoft.com/office/officeart/2018/2/layout/IconLabelList"/>
+    <dgm:cxn modelId="{D6CE63B7-0A90-4CF6-8324-DFA89CC8A7A2}" type="presParOf" srcId="{2042992E-CF0F-4986-BE3C-5D1EA773E514}" destId="{95667671-989D-4CD1-9044-57DFED7AD116}" srcOrd="0" destOrd="0" presId="urn:microsoft.com/office/officeart/2018/2/layout/IconLabelList"/>
+    <dgm:cxn modelId="{BEC04ADB-AA1C-4101-8A2F-07001ED50A61}" type="presParOf" srcId="{2042992E-CF0F-4986-BE3C-5D1EA773E514}" destId="{6E31E7F8-1070-4094-AEA1-E0BB97D18171}" srcOrd="1" destOrd="0" presId="urn:microsoft.com/office/officeart/2018/2/layout/IconLabelList"/>
+    <dgm:cxn modelId="{7FDBDD4C-39CB-4A94-824E-B8CC78A860BC}" type="presParOf" srcId="{2042992E-CF0F-4986-BE3C-5D1EA773E514}" destId="{C16DBC55-C51E-45A2-B683-ECD7A59ECFF7}" srcOrd="2" destOrd="0" presId="urn:microsoft.com/office/officeart/2018/2/layout/IconLabelList"/>
+  </dgm:cxnLst>
+  <dgm:bg/>
+  <dgm:whole/>
+  <dgm:extLst>
+    <a:ext uri="http://schemas.microsoft.com/office/drawing/2008/diagram">
+      <dsp:dataModelExt xmlns:dsp="http://schemas.microsoft.com/office/drawing/2008/diagram" relId="rId6" minVer="http://schemas.openxmlformats.org/drawingml/2006/diagram"/>
+    </a:ext>
+  </dgm:extLst>
+</dgm:dataModel>
+</file>
+
+<file path=ppt/diagrams/drawing1.xml><?xml version="1.0" encoding="utf-8"?>
+<dsp:drawing xmlns:dgm="http://schemas.openxmlformats.org/drawingml/2006/diagram" xmlns:dsp="http://schemas.microsoft.com/office/drawing/2008/diagram" xmlns:a="http://schemas.openxmlformats.org/drawingml/2006/main">
+  <dsp:spTree>
+    <dsp:nvGrpSpPr>
+      <dsp:cNvPr id="0" name=""/>
+      <dsp:cNvGrpSpPr/>
+    </dsp:nvGrpSpPr>
+    <dsp:grpSpPr/>
+    <dsp:sp modelId="{98D5DDCF-5CA3-4875-8FD5-FA5F79F412C8}">
+      <dsp:nvSpPr>
+        <dsp:cNvPr id="0" name=""/>
+        <dsp:cNvSpPr/>
+      </dsp:nvSpPr>
+      <dsp:spPr>
+        <a:xfrm>
+          <a:off x="928596" y="750564"/>
+          <a:ext cx="1483312" cy="1483312"/>
+        </a:xfrm>
+        <a:prstGeom prst="rect">
+          <a:avLst/>
+        </a:prstGeom>
+        <a:blipFill>
+          <a:blip xmlns:r="http://schemas.openxmlformats.org/officeDocument/2006/relationships" r:embed="rId1">
+            <a:extLst>
+              <a:ext uri="{28A0092B-C50C-407E-A947-70E740481C1C}">
+                <a14:useLocalDpi xmlns:a14="http://schemas.microsoft.com/office/drawing/2010/main" val="0"/>
+              </a:ext>
+              <a:ext uri="{96DAC541-7B7A-43D3-8B79-37D633B846F1}">
+                <asvg:svgBlip xmlns:asvg="http://schemas.microsoft.com/office/drawing/2016/SVG/main" r:embed="rId2"/>
+              </a:ext>
+            </a:extLst>
+          </a:blip>
+          <a:stretch>
+            <a:fillRect/>
+          </a:stretch>
+        </a:blipFill>
+        <a:ln w="19050" cap="rnd" cmpd="sng" algn="ctr">
+          <a:noFill/>
+          <a:prstDash val="solid"/>
+        </a:ln>
+        <a:effectLst/>
+      </dsp:spPr>
+      <dsp:style>
+        <a:lnRef idx="2">
+          <a:scrgbClr r="0" g="0" b="0"/>
+        </a:lnRef>
+        <a:fillRef idx="1">
+          <a:scrgbClr r="0" g="0" b="0"/>
+        </a:fillRef>
+        <a:effectRef idx="0">
+          <a:scrgbClr r="0" g="0" b="0"/>
+        </a:effectRef>
+        <a:fontRef idx="minor">
+          <a:schemeClr val="lt1"/>
+        </a:fontRef>
+      </dsp:style>
+    </dsp:sp>
+    <dsp:sp modelId="{A3788F6F-3948-42CD-A987-511C6E3D076D}">
+      <dsp:nvSpPr>
+        <dsp:cNvPr id="0" name=""/>
+        <dsp:cNvSpPr/>
+      </dsp:nvSpPr>
+      <dsp:spPr>
+        <a:xfrm>
+          <a:off x="22128" y="2622917"/>
+          <a:ext cx="3296250" cy="720000"/>
+        </a:xfrm>
+        <a:prstGeom prst="rect">
+          <a:avLst/>
+        </a:prstGeom>
+        <a:noFill/>
+        <a:ln>
+          <a:noFill/>
+        </a:ln>
+        <a:effectLst/>
+      </dsp:spPr>
+      <dsp:style>
+        <a:lnRef idx="0">
+          <a:scrgbClr r="0" g="0" b="0"/>
+        </a:lnRef>
+        <a:fillRef idx="0">
+          <a:scrgbClr r="0" g="0" b="0"/>
+        </a:fillRef>
+        <a:effectRef idx="0">
+          <a:scrgbClr r="0" g="0" b="0"/>
+        </a:effectRef>
+        <a:fontRef idx="minor"/>
+      </dsp:style>
+      <dsp:txBody>
+        <a:bodyPr spcFirstLastPara="0" vert="horz" wrap="square" lIns="0" tIns="0" rIns="0" bIns="0" numCol="1" spcCol="1270" anchor="t" anchorCtr="0">
+          <a:noAutofit/>
+        </a:bodyPr>
+        <a:lstStyle/>
+        <a:p>
+          <a:pPr marL="0" lvl="0" indent="0" algn="ctr" defTabSz="800100">
+            <a:lnSpc>
+              <a:spcPct val="90000"/>
+            </a:lnSpc>
+            <a:spcBef>
+              <a:spcPct val="0"/>
+            </a:spcBef>
+            <a:spcAft>
+              <a:spcPct val="35000"/>
+            </a:spcAft>
+            <a:buNone/>
+          </a:pPr>
+          <a:r>
+            <a:rPr lang="en-US" sz="1800" kern="1200"/>
+            <a:t>Learned: Feature engineering, diagnostics crucial</a:t>
+          </a:r>
+        </a:p>
+      </dsp:txBody>
+      <dsp:txXfrm>
+        <a:off x="22128" y="2622917"/>
+        <a:ext cx="3296250" cy="720000"/>
+      </dsp:txXfrm>
+    </dsp:sp>
+    <dsp:sp modelId="{95667671-989D-4CD1-9044-57DFED7AD116}">
+      <dsp:nvSpPr>
+        <dsp:cNvPr id="0" name=""/>
+        <dsp:cNvSpPr/>
+      </dsp:nvSpPr>
+      <dsp:spPr>
+        <a:xfrm>
+          <a:off x="4801690" y="750564"/>
+          <a:ext cx="1483312" cy="1483312"/>
+        </a:xfrm>
+        <a:prstGeom prst="rect">
+          <a:avLst/>
+        </a:prstGeom>
+        <a:blipFill>
+          <a:blip xmlns:r="http://schemas.openxmlformats.org/officeDocument/2006/relationships" r:embed="rId3">
+            <a:extLst>
+              <a:ext uri="{28A0092B-C50C-407E-A947-70E740481C1C}">
+                <a14:useLocalDpi xmlns:a14="http://schemas.microsoft.com/office/drawing/2010/main" val="0"/>
+              </a:ext>
+              <a:ext uri="{96DAC541-7B7A-43D3-8B79-37D633B846F1}">
+                <asvg:svgBlip xmlns:asvg="http://schemas.microsoft.com/office/drawing/2016/SVG/main" r:embed="rId4"/>
+              </a:ext>
+            </a:extLst>
+          </a:blip>
+          <a:stretch>
+            <a:fillRect/>
+          </a:stretch>
+        </a:blipFill>
+        <a:ln w="19050" cap="rnd" cmpd="sng" algn="ctr">
+          <a:noFill/>
+          <a:prstDash val="solid"/>
+        </a:ln>
+        <a:effectLst/>
+      </dsp:spPr>
+      <dsp:style>
+        <a:lnRef idx="2">
+          <a:scrgbClr r="0" g="0" b="0"/>
+        </a:lnRef>
+        <a:fillRef idx="1">
+          <a:scrgbClr r="0" g="0" b="0"/>
+        </a:fillRef>
+        <a:effectRef idx="0">
+          <a:scrgbClr r="0" g="0" b="0"/>
+        </a:effectRef>
+        <a:fontRef idx="minor">
+          <a:schemeClr val="lt1"/>
+        </a:fontRef>
+      </dsp:style>
+    </dsp:sp>
+    <dsp:sp modelId="{C16DBC55-C51E-45A2-B683-ECD7A59ECFF7}">
+      <dsp:nvSpPr>
+        <dsp:cNvPr id="0" name=""/>
+        <dsp:cNvSpPr/>
+      </dsp:nvSpPr>
+      <dsp:spPr>
+        <a:xfrm>
+          <a:off x="3895221" y="2622917"/>
+          <a:ext cx="3296250" cy="720000"/>
+        </a:xfrm>
+        <a:prstGeom prst="rect">
+          <a:avLst/>
+        </a:prstGeom>
+        <a:noFill/>
+        <a:ln>
+          <a:noFill/>
+        </a:ln>
+        <a:effectLst/>
+      </dsp:spPr>
+      <dsp:style>
+        <a:lnRef idx="0">
+          <a:scrgbClr r="0" g="0" b="0"/>
+        </a:lnRef>
+        <a:fillRef idx="0">
+          <a:scrgbClr r="0" g="0" b="0"/>
+        </a:fillRef>
+        <a:effectRef idx="0">
+          <a:scrgbClr r="0" g="0" b="0"/>
+        </a:effectRef>
+        <a:fontRef idx="minor"/>
+      </dsp:style>
+      <dsp:txBody>
+        <a:bodyPr spcFirstLastPara="0" vert="horz" wrap="square" lIns="0" tIns="0" rIns="0" bIns="0" numCol="1" spcCol="1270" anchor="t" anchorCtr="0">
+          <a:noAutofit/>
+        </a:bodyPr>
+        <a:lstStyle/>
+        <a:p>
+          <a:pPr marL="0" lvl="0" indent="0" algn="ctr" defTabSz="800100">
+            <a:lnSpc>
+              <a:spcPct val="90000"/>
+            </a:lnSpc>
+            <a:spcBef>
+              <a:spcPct val="0"/>
+            </a:spcBef>
+            <a:spcAft>
+              <a:spcPct val="35000"/>
+            </a:spcAft>
+            <a:buNone/>
+          </a:pPr>
+          <a:r>
+            <a:rPr lang="en-US" sz="1800" kern="1200"/>
+            <a:t>Next: Try XGBoost/LightGBM, add external features, deploy as web app</a:t>
+          </a:r>
+        </a:p>
+      </dsp:txBody>
+      <dsp:txXfrm>
+        <a:off x="3895221" y="2622917"/>
+        <a:ext cx="3296250" cy="720000"/>
+      </dsp:txXfrm>
+    </dsp:sp>
+  </dsp:spTree>
+</dsp:drawing>
+</file>
+
+<file path=ppt/diagrams/layout1.xml><?xml version="1.0" encoding="utf-8"?>
+<dgm:layoutDef xmlns:dgm="http://schemas.openxmlformats.org/drawingml/2006/diagram" xmlns:a="http://schemas.openxmlformats.org/drawingml/2006/main" uniqueId="urn:microsoft.com/office/officeart/2018/2/layout/IconLabelList">
+  <dgm:title val="Icon Label List"/>
+  <dgm:desc val="Use to show non-sequential or grouped chunks of information accompanied by a related visuals. Works best with icons or small pictures with short text captions."/>
+  <dgm:catLst>
+    <dgm:cat type="icon" pri="500"/>
+  </dgm:catLst>
+  <dgm:sampData useDef="1">
+    <dgm:dataModel>
+      <dgm:ptLst/>
+      <dgm:bg/>
+      <dgm:whole/>
+    </dgm:dataModel>
+  </dgm:sampData>
+  <dgm:styleData useDef="1">
+    <dgm:dataModel>
+      <dgm:ptLst/>
+      <dgm:bg/>
+      <dgm:whole/>
+    </dgm:dataModel>
+  </dgm:styleData>
+  <dgm:clrData useDef="1">
+    <dgm:dataModel>
+      <dgm:ptLst/>
+      <dgm:bg/>
+      <dgm:whole/>
+    </dgm:dataModel>
+  </dgm:clrData>
+  <dgm:layoutNode name="root">
+    <dgm:varLst>
+      <dgm:dir/>
+      <dgm:resizeHandles val="exact"/>
+    </dgm:varLst>
+    <dgm:choose name="Name0">
+      <dgm:if name="Name1" axis="self" func="var" arg="dir" op="equ" val="norm">
+        <dgm:alg type="snake">
+          <dgm:param type="grDir" val="tL"/>
+          <dgm:param type="flowDir" val="row"/>
+          <dgm:param type="contDir" val="sameDir"/>
+          <dgm:param type="off" val="ctr"/>
+          <dgm:param type="vertAlign" val="mid"/>
+          <dgm:param type="horzAlign" val="ctr"/>
+        </dgm:alg>
+      </dgm:if>
+      <dgm:else name="Name2">
+        <dgm:alg type="snake">
+          <dgm:param type="grDir" val="tR"/>
+          <dgm:param type="flowDir" val="row"/>
+          <dgm:param type="contDir" val="sameDir"/>
+          <dgm:param type="off" val="ctr"/>
+          <dgm:param type="vertAlign" val="mid"/>
+          <dgm:param type="horzAlign" val="ctr"/>
+        </dgm:alg>
+      </dgm:else>
+    </dgm:choose>
+    <dgm:shape xmlns:r="http://schemas.openxmlformats.org/officeDocument/2006/relationships" r:blip="">
+      <dgm:adjLst/>
+    </dgm:shape>
+    <dgm:presOf/>
+    <dgm:choose name="Name3">
+      <dgm:if name="Name4" axis="ch" ptType="node" func="cnt" op="lte" val="2">
+        <dgm:constrLst>
+          <dgm:constr type="h" for="ch" forName="compNode" refType="h" fact="0.4"/>
+          <dgm:constr type="w" for="ch" forName="compNode" val="120"/>
+          <dgm:constr type="w" for="ch" forName="sibTrans" refType="w" refFor="ch" refForName="compNode" fact="0.175"/>
+          <dgm:constr type="sp" refType="w" refFor="ch" refForName="compNode" op="equ" fact="0.25"/>
+          <dgm:constr type="primFontSz" for="des" ptType="node" op="equ" val="50"/>
+          <dgm:constr type="h" for="des" forName="compNode" op="equ"/>
+          <dgm:constr type="h" for="des" forName="textRect" op="equ"/>
+        </dgm:constrLst>
+      </dgm:if>
+      <dgm:if name="Name5" axis="ch" ptType="node" func="cnt" op="lte" val="4">
+        <dgm:constrLst>
+          <dgm:constr type="h" for="ch" forName="compNode" refType="h" fact="0.4"/>
+          <dgm:constr type="w" for="ch" forName="compNode" refType="w"/>
+          <dgm:constr type="w" for="ch" forName="sibTrans" refType="w" refFor="ch" refForName="compNode" fact="0.175"/>
+          <dgm:constr type="sp" refType="w" refFor="ch" refForName="compNode" op="equ" fact="0.25"/>
+          <dgm:constr type="primFontSz" for="des" ptType="node" op="equ" val="36"/>
+          <dgm:constr type="h" for="des" forName="compNode" op="equ"/>
+          <dgm:constr type="h" for="des" forName="textRect" op="equ"/>
+        </dgm:constrLst>
+      </dgm:if>
+      <dgm:else name="Name6">
+        <dgm:constrLst>
+          <dgm:constr type="h" for="ch" forName="compNode" refType="h" fact="0.4"/>
+          <dgm:constr type="w" for="ch" forName="compNode" refType="w"/>
+          <dgm:constr type="w" for="ch" forName="sibTrans" refType="w" refFor="ch" refForName="compNode" fact="0.175"/>
+          <dgm:constr type="sp" refType="w" refFor="ch" refForName="compNode" op="equ" fact="0.25"/>
+          <dgm:constr type="primFontSz" for="des" ptType="node" op="equ" val="24"/>
+          <dgm:constr type="h" for="des" forName="compNode" op="equ"/>
+          <dgm:constr type="h" for="des" forName="textRect" op="equ"/>
+        </dgm:constrLst>
+      </dgm:else>
+    </dgm:choose>
+    <dgm:ruleLst>
+      <dgm:rule type="w" for="ch" forName="compNode" val="50" fact="NaN" max="NaN"/>
+    </dgm:ruleLst>
+    <dgm:forEach name="Name7" axis="ch" ptType="node">
+      <dgm:layoutNode name="compNode">
+        <dgm:alg type="composite"/>
+        <dgm:shape xmlns:r="http://schemas.openxmlformats.org/officeDocument/2006/relationships" r:blip="">
+          <dgm:adjLst/>
+        </dgm:shape>
+        <dgm:presOf axis="self"/>
+        <dgm:constrLst>
+          <dgm:constr type="w" for="ch" forName="iconRect" refType="w" fact="0.45"/>
+          <dgm:constr type="h" for="ch" forName="iconRect" refType="w" refFor="ch" refForName="iconRect"/>
+          <dgm:constr type="ctrX" for="ch" forName="iconRect" refType="w" fact="0.5"/>
+          <dgm:constr type="t" for="ch" forName="iconRect"/>
+          <dgm:constr type="h" for="ch" forName="spaceRect" refType="h" fact="0.15"/>
+          <dgm:constr type="w" for="ch" forName="spaceRect" refType="w"/>
+          <dgm:constr type="l" for="ch" forName="spaceRect"/>
+          <dgm:constr type="t" for="ch" forName="spaceRect" refType="b" refFor="ch" refForName="iconRect"/>
+          <dgm:constr type="h" for="ch" forName="textRect" val="20"/>
+          <dgm:constr type="w" for="ch" forName="textRect" refType="w"/>
+          <dgm:constr type="l" for="ch" forName="textRect"/>
+          <dgm:constr type="t" for="ch" forName="textRect" refType="b" refFor="ch" refForName="spaceRect"/>
+        </dgm:constrLst>
+        <dgm:ruleLst>
+          <dgm:rule type="h" val="INF" fact="NaN" max="NaN"/>
+        </dgm:ruleLst>
+        <dgm:layoutNode name="iconRect" styleLbl="node1">
+          <dgm:alg type="sp"/>
+          <dgm:shape xmlns:r="http://schemas.openxmlformats.org/officeDocument/2006/relationships" type="rect" r:blip="" blipPhldr="1">
+            <dgm:adjLst/>
+          </dgm:shape>
+          <dgm:presOf/>
+          <dgm:constrLst/>
+          <dgm:ruleLst/>
+        </dgm:layoutNode>
+        <dgm:layoutNode name="spaceRect">
+          <dgm:alg type="sp"/>
+          <dgm:shape xmlns:r="http://schemas.openxmlformats.org/officeDocument/2006/relationships" r:blip="">
+            <dgm:adjLst/>
+          </dgm:shape>
+          <dgm:presOf/>
+          <dgm:constrLst/>
+          <dgm:ruleLst/>
+        </dgm:layoutNode>
+        <dgm:layoutNode name="textRect" styleLbl="revTx">
+          <dgm:varLst>
+            <dgm:chMax val="1"/>
+            <dgm:chPref val="1"/>
+          </dgm:varLst>
+          <dgm:alg type="tx">
+            <dgm:param type="txAnchorVert" val="t"/>
+          </dgm:alg>
+          <dgm:shape xmlns:r="http://schemas.openxmlformats.org/officeDocument/2006/relationships" type="rect" r:blip="">
+            <dgm:adjLst/>
+          </dgm:shape>
+          <dgm:presOf axis="self" ptType="node"/>
+          <dgm:constrLst>
+            <dgm:constr type="lMarg"/>
+            <dgm:constr type="rMarg"/>
+            <dgm:constr type="tMarg"/>
+            <dgm:constr type="bMarg"/>
+          </dgm:constrLst>
+          <dgm:ruleLst>
+            <dgm:rule type="primFontSz" val="11" fact="NaN" max="NaN"/>
+            <dgm:rule type="h" val="INF" fact="NaN" max="NaN"/>
+          </dgm:ruleLst>
+        </dgm:layoutNode>
+      </dgm:layoutNode>
+      <dgm:forEach name="Name8" axis="followSib" ptType="sibTrans" cnt="1">
+        <dgm:layoutNode name="sibTrans">
+          <dgm:alg type="sp"/>
+          <dgm:shape xmlns:r="http://schemas.openxmlformats.org/officeDocument/2006/relationships" r:blip="">
+            <dgm:adjLst/>
+          </dgm:shape>
+          <dgm:presOf axis="self"/>
+          <dgm:constrLst/>
+          <dgm:ruleLst/>
+        </dgm:layoutNode>
+      </dgm:forEach>
+    </dgm:forEach>
+  </dgm:layoutNode>
+  <dgm:extLst>
+    <a:ext uri="{68A01E43-0DF5-4B5B-8FA6-DAF915123BFB}">
+      <dgm1612:lstStyle xmlns:dgm1612="http://schemas.microsoft.com/office/drawing/2016/12/diagram">
+        <a:lvl1pPr>
+          <a:lnSpc>
+            <a:spcPct val="100000"/>
+          </a:lnSpc>
+        </a:lvl1pPr>
+      </dgm1612:lstStyle>
+    </a:ext>
+  </dgm:extLst>
+</dgm:layoutDef>
+</file>
+
+<file path=ppt/diagrams/quickStyle1.xml><?xml version="1.0" encoding="utf-8"?>
+<dgm:styleDef xmlns:dgm="http://schemas.openxmlformats.org/drawingml/2006/diagram" xmlns:a="http://schemas.openxmlformats.org/drawingml/2006/main" uniqueId="urn:microsoft.com/office/officeart/2005/8/quickstyle/simple1">
+  <dgm:title val=""/>
+  <dgm:desc val=""/>
+  <dgm:catLst>
+    <dgm:cat type="simple" pri="10100"/>
+  </dgm:catLst>
+  <dgm:scene3d>
+    <a:camera prst="orthographicFront"/>
+    <a:lightRig rig="threePt" dir="t"/>
+  </dgm:scene3d>
+  <dgm:styleLbl name="node0">
+    <dgm:scene3d>
+      <a:camera prst="orthographicFront"/>
+      <a:lightRig rig="threePt" dir="t"/>
+    </dgm:scene3d>
+    <dgm:sp3d/>
+    <dgm:txPr/>
+    <dgm:style>
+      <a:lnRef idx="2">
+        <a:scrgbClr r="0" g="0" b="0"/>
+      </a:lnRef>
+      <a:fillRef idx="1">
+        <a:scrgbClr r="0" g="0" b="0"/>
+      </a:fillRef>
+      <a:effectRef idx="0">
+        <a:scrgbClr r="0" g="0" b="0"/>
+      </a:effectRef>
+      <a:fontRef idx="minor">
+        <a:schemeClr val="lt1"/>
+      </a:fontRef>
+    </dgm:style>
+  </dgm:styleLbl>
+  <dgm:styleLbl name="lnNode1">
+    <dgm:scene3d>
+      <a:camera prst="orthographicFront"/>
+      <a:lightRig rig="threePt" dir="t"/>
+    </dgm:scene3d>
+    <dgm:sp3d/>
+    <dgm:txPr/>
+    <dgm:style>
+      <a:lnRef idx="2">
+        <a:scrgbClr r="0" g="0" b="0"/>
+      </a:lnRef>
+      <a:fillRef idx="1">
+        <a:scrgbClr r="0" g="0" b="0"/>
+      </a:fillRef>
+      <a:effectRef idx="0">
+        <a:scrgbClr r="0" g="0" b="0"/>
+      </a:effectRef>
+      <a:fontRef idx="minor">
+        <a:schemeClr val="lt1"/>
+      </a:fontRef>
+    </dgm:style>
+  </dgm:styleLbl>
+  <dgm:styleLbl name="vennNode1">
+    <dgm:scene3d>
+      <a:camera prst="orthographicFront"/>
+      <a:lightRig rig="threePt" dir="t"/>
+    </dgm:scene3d>
+    <dgm:sp3d/>
+    <dgm:txPr/>
+    <dgm:style>
+      <a:lnRef idx="2">
+        <a:scrgbClr r="0" g="0" b="0"/>
+      </a:lnRef>
+      <a:fillRef idx="1">
+        <a:scrgbClr r="0" g="0" b="0"/>
+      </a:fillRef>
+      <a:effectRef idx="0">
+        <a:scrgbClr r="0" g="0" b="0"/>
+      </a:effectRef>
+      <a:fontRef idx="minor">
+        <a:schemeClr val="tx1"/>
+      </a:fontRef>
+    </dgm:style>
+  </dgm:styleLbl>
+  <dgm:styleLbl name="alignNode1">
+    <dgm:scene3d>
+      <a:camera prst="orthographicFront"/>
+      <a:lightRig rig="threePt" dir="t"/>
+    </dgm:scene3d>
+    <dgm:sp3d/>
+    <dgm:txPr/>
+    <dgm:style>
+      <a:lnRef idx="2">
+        <a:scrgbClr r="0" g="0" b="0"/>
+      </a:lnRef>
+      <a:fillRef idx="1">
+        <a:scrgbClr r="0" g="0" b="0"/>
+      </a:fillRef>
+      <a:effectRef idx="0">
+        <a:scrgbClr r="0" g="0" b="0"/>
+      </a:effectRef>
+      <a:fontRef idx="minor">
+        <a:schemeClr val="lt1"/>
+      </a:fontRef>
+    </dgm:style>
+  </dgm:styleLbl>
+  <dgm:styleLbl name="node1">
+    <dgm:scene3d>
+      <a:camera prst="orthographicFront"/>
+      <a:lightRig rig="threePt" dir="t"/>
+    </dgm:scene3d>
+    <dgm:sp3d/>
+    <dgm:txPr/>
+    <dgm:style>
+      <a:lnRef idx="2">
+        <a:scrgbClr r="0" g="0" b="0"/>
+      </a:lnRef>
+      <a:fillRef idx="1">
+        <a:scrgbClr r="0" g="0" b="0"/>
+      </a:fillRef>
+      <a:effectRef idx="0">
+        <a:scrgbClr r="0" g="0" b="0"/>
+      </a:effectRef>
+      <a:fontRef idx="minor">
+        <a:schemeClr val="lt1"/>
+      </a:fontRef>
+    </dgm:style>
+  </dgm:styleLbl>
+  <dgm:styleLbl name="node2">
+    <dgm:scene3d>
+      <a:camera prst="orthographicFront"/>
+      <a:lightRig rig="threePt" dir="t"/>
+    </dgm:scene3d>
+    <dgm:sp3d/>
+    <dgm:txPr/>
+    <dgm:style>
+      <a:lnRef idx="2">
+        <a:scrgbClr r="0" g="0" b="0"/>
+      </a:lnRef>
+      <a:fillRef idx="1">
+        <a:scrgbClr r="0" g="0" b="0"/>
+      </a:fillRef>
+      <a:effectRef idx="0">
+        <a:scrgbClr r="0" g="0" b="0"/>
+      </a:effectRef>
+      <a:fontRef idx="minor">
+        <a:schemeClr val="lt1"/>
+      </a:fontRef>
+    </dgm:style>
+  </dgm:styleLbl>
+  <dgm:styleLbl name="node3">
+    <dgm:scene3d>
+      <a:camera prst="orthographicFront"/>
+      <a:lightRig rig="threePt" dir="t"/>
+    </dgm:scene3d>
+    <dgm:sp3d/>
+    <dgm:txPr/>
+    <dgm:style>
+      <a:lnRef idx="2">
+        <a:scrgbClr r="0" g="0" b="0"/>
+      </a:lnRef>
+      <a:fillRef idx="1">
+        <a:scrgbClr r="0" g="0" b="0"/>
+      </a:fillRef>
+      <a:effectRef idx="0">
+        <a:scrgbClr r="0" g="0" b="0"/>
+      </a:effectRef>
+      <a:fontRef idx="minor">
+        <a:schemeClr val="lt1"/>
+      </a:fontRef>
+    </dgm:style>
+  </dgm:styleLbl>
+  <dgm:styleLbl name="node4">
+    <dgm:scene3d>
+      <a:camera prst="orthographicFront"/>
+      <a:lightRig rig="threePt" dir="t"/>
+    </dgm:scene3d>
+    <dgm:sp3d/>
+    <dgm:txPr/>
+    <dgm:style>
+      <a:lnRef idx="2">
+        <a:scrgbClr r="0" g="0" b="0"/>
+      </a:lnRef>
+      <a:fillRef idx="1">
+        <a:scrgbClr r="0" g="0" b="0"/>
+      </a:fillRef>
+      <a:effectRef idx="0">
+        <a:scrgbClr r="0" g="0" b="0"/>
+      </a:effectRef>
+      <a:fontRef idx="minor">
+        <a:schemeClr val="lt1"/>
+      </a:fontRef>
+    </dgm:style>
+  </dgm:styleLbl>
+  <dgm:styleLbl name="fgImgPlace1">
+    <dgm:scene3d>
+      <a:camera prst="orthographicFront"/>
+      <a:lightRig rig="threePt" dir="t"/>
+    </dgm:scene3d>
+    <dgm:sp3d/>
+    <dgm:txPr/>
+    <dgm:style>
+      <a:lnRef idx="2">
+        <a:scrgbClr r="0" g="0" b="0"/>
+      </a:lnRef>
+      <a:fillRef idx="1">
+        <a:scrgbClr r="0" g="0" b="0"/>
+      </a:fillRef>
+      <a:effectRef idx="0">
+        <a:scrgbClr r="0" g="0" b="0"/>
+      </a:effectRef>
+      <a:fontRef idx="minor"/>
+    </dgm:style>
+  </dgm:styleLbl>
+  <dgm:styleLbl name="alignImgPlace1">
+    <dgm:scene3d>
+      <a:camera prst="orthographicFront"/>
+      <a:lightRig rig="threePt" dir="t"/>
+    </dgm:scene3d>
+    <dgm:sp3d/>
+    <dgm:txPr/>
+    <dgm:style>
+      <a:lnRef idx="2">
+        <a:scrgbClr r="0" g="0" b="0"/>
+      </a:lnRef>
+      <a:fillRef idx="1">
+        <a:scrgbClr r="0" g="0" b="0"/>
+      </a:fillRef>
+      <a:effectRef idx="0">
+        <a:scrgbClr r="0" g="0" b="0"/>
+      </a:effectRef>
+      <a:fontRef idx="minor"/>
+    </dgm:style>
+  </dgm:styleLbl>
+  <dgm:styleLbl name="bgImgPlace1">
+    <dgm:scene3d>
+      <a:camera prst="orthographicFront"/>
+      <a:lightRig rig="threePt" dir="t"/>
+    </dgm:scene3d>
+    <dgm:sp3d/>
+    <dgm:txPr/>
+    <dgm:style>
+      <a:lnRef idx="2">
+        <a:scrgbClr r="0" g="0" b="0"/>
+      </a:lnRef>
+      <a:fillRef idx="1">
+        <a:scrgbClr r="0" g="0" b="0"/>
+      </a:fillRef>
+      <a:effectRef idx="0">
+        <a:scrgbClr r="0" g="0" b="0"/>
+      </a:effectRef>
+      <a:fontRef idx="minor"/>
+    </dgm:style>
+  </dgm:styleLbl>
+  <dgm:styleLbl name="sibTrans2D1">
+    <dgm:scene3d>
+      <a:camera prst="orthographicFront"/>
+      <a:lightRig rig="threePt" dir="t"/>
+    </dgm:scene3d>
+    <dgm:sp3d/>
+    <dgm:txPr/>
+    <dgm:style>
+      <a:lnRef idx="0">
+        <a:scrgbClr r="0" g="0" b="0"/>
+      </a:lnRef>
+      <a:fillRef idx="1">
+        <a:scrgbClr r="0" g="0" b="0"/>
+      </a:fillRef>
+      <a:effectRef idx="0">
+        <a:scrgbClr r="0" g="0" b="0"/>
+      </a:effectRef>
+      <a:fontRef idx="minor">
+        <a:schemeClr val="lt1"/>
+      </a:fontRef>
+    </dgm:style>
+  </dgm:styleLbl>
+  <dgm:styleLbl name="fgSibTrans2D1">
+    <dgm:scene3d>
+      <a:camera prst="orthographicFront"/>
+      <a:lightRig rig="threePt" dir="t"/>
+    </dgm:scene3d>
+    <dgm:sp3d/>
+    <dgm:txPr/>
+    <dgm:style>
+      <a:lnRef idx="0">
+        <a:scrgbClr r="0" g="0" b="0"/>
+      </a:lnRef>
+      <a:fillRef idx="1">
+        <a:scrgbClr r="0" g="0" b="0"/>
+      </a:fillRef>
+      <a:effectRef idx="0">
+        <a:scrgbClr r="0" g="0" b="0"/>
+      </a:effectRef>
+      <a:fontRef idx="minor">
+        <a:schemeClr val="lt1"/>
+      </a:fontRef>
+    </dgm:style>
+  </dgm:styleLbl>
+  <dgm:styleLbl name="bgSibTrans2D1">
+    <dgm:scene3d>
+      <a:camera prst="orthographicFront"/>
+      <a:lightRig rig="threePt" dir="t"/>
+    </dgm:scene3d>
+    <dgm:sp3d/>
+    <dgm:txPr/>
+    <dgm:style>
+      <a:lnRef idx="0">
+        <a:scrgbClr r="0" g="0" b="0"/>
+      </a:lnRef>
+      <a:fillRef idx="1">
+        <a:scrgbClr r="0" g="0" b="0"/>
+      </a:fillRef>
+      <a:effectRef idx="0">
+        <a:scrgbClr r="0" g="0" b="0"/>
+      </a:effectRef>
+      <a:fontRef idx="minor">
+        <a:schemeClr val="lt1"/>
+      </a:fontRef>
+    </dgm:style>
+  </dgm:styleLbl>
+  <dgm:styleLbl name="sibTrans1D1">
+    <dgm:scene3d>
+      <a:camera prst="orthographicFront"/>
+      <a:lightRig rig="threePt" dir="t"/>
+    </dgm:scene3d>
+    <dgm:sp3d/>
+    <dgm:txPr/>
+    <dgm:style>
+      <a:lnRef idx="1">
+        <a:scrgbClr r="0" g="0" b="0"/>
+      </a:lnRef>
+      <a:fillRef idx="0">
+        <a:scrgbClr r="0" g="0" b="0"/>
+      </a:fillRef>
+      <a:effectRef idx="0">
+        <a:scrgbClr r="0" g="0" b="0"/>
+      </a:effectRef>
+      <a:fontRef idx="minor"/>
+    </dgm:style>
+  </dgm:styleLbl>
+  <dgm:styleLbl name="callout">
+    <dgm:scene3d>
+      <a:camera prst="orthographicFront"/>
+      <a:lightRig rig="threePt" dir="t"/>
+    </dgm:scene3d>
+    <dgm:sp3d/>
+    <dgm:txPr/>
+    <dgm:style>
+      <a:lnRef idx="2">
+        <a:scrgbClr r="0" g="0" b="0"/>
+      </a:lnRef>
+      <a:fillRef idx="1">
+        <a:scrgbClr r="0" g="0" b="0"/>
+      </a:fillRef>
+      <a:effectRef idx="0">
+        <a:scrgbClr r="0" g="0" b="0"/>
+      </a:effectRef>
+      <a:fontRef idx="minor"/>
+    </dgm:style>
+  </dgm:styleLbl>
+  <dgm:styleLbl name="asst0">
+    <dgm:scene3d>
+      <a:camera prst="orthographicFront"/>
+      <a:lightRig rig="threePt" dir="t"/>
+    </dgm:scene3d>
+    <dgm:sp3d/>
+    <dgm:txPr/>
+    <dgm:style>
+      <a:lnRef idx="2">
+        <a:scrgbClr r="0" g="0" b="0"/>
+      </a:lnRef>
+      <a:fillRef idx="1">
+        <a:scrgbClr r="0" g="0" b="0"/>
+      </a:fillRef>
+      <a:effectRef idx="0">
+        <a:scrgbClr r="0" g="0" b="0"/>
+      </a:effectRef>
+      <a:fontRef idx="minor">
+        <a:schemeClr val="lt1"/>
+      </a:fontRef>
+    </dgm:style>
+  </dgm:styleLbl>
+  <dgm:styleLbl name="asst1">
+    <dgm:scene3d>
+      <a:camera prst="orthographicFront"/>
+      <a:lightRig rig="threePt" dir="t"/>
+    </dgm:scene3d>
+    <dgm:sp3d/>
+    <dgm:txPr/>
+    <dgm:style>
+      <a:lnRef idx="2">
+        <a:scrgbClr r="0" g="0" b="0"/>
+      </a:lnRef>
+      <a:fillRef idx="1">
+        <a:scrgbClr r="0" g="0" b="0"/>
+      </a:fillRef>
+      <a:effectRef idx="0">
+        <a:scrgbClr r="0" g="0" b="0"/>
+      </a:effectRef>
+      <a:fontRef idx="minor">
+        <a:schemeClr val="lt1"/>
+      </a:fontRef>
+    </dgm:style>
+  </dgm:styleLbl>
+  <dgm:styleLbl name="asst2">
+    <dgm:scene3d>
+      <a:camera prst="orthographicFront"/>
+      <a:lightRig rig="threePt" dir="t"/>
+    </dgm:scene3d>
+    <dgm:sp3d/>
+    <dgm:txPr/>
+    <dgm:style>
+      <a:lnRef idx="2">
+        <a:scrgbClr r="0" g="0" b="0"/>
+      </a:lnRef>
+      <a:fillRef idx="1">
+        <a:scrgbClr r="0" g="0" b="0"/>
+      </a:fillRef>
+      <a:effectRef idx="0">
+        <a:scrgbClr r="0" g="0" b="0"/>
+      </a:effectRef>
+      <a:fontRef idx="minor">
+        <a:schemeClr val="lt1"/>
+      </a:fontRef>
+    </dgm:style>
+  </dgm:styleLbl>
+  <dgm:styleLbl name="asst3">
+    <dgm:scene3d>
+      <a:camera prst="orthographicFront"/>
+      <a:lightRig rig="threePt" dir="t"/>
+    </dgm:scene3d>
+    <dgm:sp3d/>
+    <dgm:txPr/>
+    <dgm:style>
+      <a:lnRef idx="2">
+        <a:scrgbClr r="0" g="0" b="0"/>
+      </a:lnRef>
+      <a:fillRef idx="1">
+        <a:scrgbClr r="0" g="0" b="0"/>
+      </a:fillRef>
+      <a:effectRef idx="0">
+        <a:scrgbClr r="0" g="0" b="0"/>
+      </a:effectRef>
+      <a:fontRef idx="minor">
+        <a:schemeClr val="lt1"/>
+      </a:fontRef>
+    </dgm:style>
+  </dgm:styleLbl>
+  <dgm:styleLbl name="asst4">
+    <dgm:scene3d>
+      <a:camera prst="orthographicFront"/>
+      <a:lightRig rig="threePt" dir="t"/>
+    </dgm:scene3d>
+    <dgm:sp3d/>
+    <dgm:txPr/>
+    <dgm:style>
+      <a:lnRef idx="2">
+        <a:scrgbClr r="0" g="0" b="0"/>
+      </a:lnRef>
+      <a:fillRef idx="1">
+        <a:scrgbClr r="0" g="0" b="0"/>
+      </a:fillRef>
+      <a:effectRef idx="0">
+        <a:scrgbClr r="0" g="0" b="0"/>
+      </a:effectRef>
+      <a:fontRef idx="minor">
+        <a:schemeClr val="lt1"/>
+      </a:fontRef>
+    </dgm:style>
+  </dgm:styleLbl>
+  <dgm:styleLbl name="parChTrans2D1">
+    <dgm:scene3d>
+      <a:camera prst="orthographicFront"/>
+      <a:lightRig rig="threePt" dir="t"/>
+    </dgm:scene3d>
+    <dgm:sp3d/>
+    <dgm:txPr/>
+    <dgm:style>
+      <a:lnRef idx="2">
+        <a:scrgbClr r="0" g="0" b="0"/>
+      </a:lnRef>
+      <a:fillRef idx="1">
+        <a:scrgbClr r="0" g="0" b="0"/>
+      </a:fillRef>
+      <a:effectRef idx="0">
+        <a:scrgbClr r="0" g="0" b="0"/>
+      </a:effectRef>
+      <a:fontRef idx="minor">
+        <a:schemeClr val="lt1"/>
+      </a:fontRef>
+    </dgm:style>
+  </dgm:styleLbl>
+  <dgm:styleLbl name="parChTrans2D2">
+    <dgm:scene3d>
+      <a:camera prst="orthographicFront"/>
+      <a:lightRig rig="threePt" dir="t"/>
+    </dgm:scene3d>
+    <dgm:sp3d/>
+    <dgm:txPr/>
+    <dgm:style>
+      <a:lnRef idx="2">
+        <a:scrgbClr r="0" g="0" b="0"/>
+      </a:lnRef>
+      <a:fillRef idx="1">
+        <a:scrgbClr r="0" g="0" b="0"/>
+      </a:fillRef>
+      <a:effectRef idx="0">
+        <a:scrgbClr r="0" g="0" b="0"/>
+      </a:effectRef>
+      <a:fontRef idx="minor">
+        <a:schemeClr val="lt1"/>
+      </a:fontRef>
+    </dgm:style>
+  </dgm:styleLbl>
+  <dgm:styleLbl name="parChTrans2D3">
+    <dgm:scene3d>
+      <a:camera prst="orthographicFront"/>
+      <a:lightRig rig="threePt" dir="t"/>
+    </dgm:scene3d>
+    <dgm:sp3d/>
+    <dgm:txPr/>
+    <dgm:style>
+      <a:lnRef idx="2">
+        <a:scrgbClr r="0" g="0" b="0"/>
+      </a:lnRef>
+      <a:fillRef idx="1">
+        <a:scrgbClr r="0" g="0" b="0"/>
+      </a:fillRef>
+      <a:effectRef idx="0">
+        <a:scrgbClr r="0" g="0" b="0"/>
+      </a:effectRef>
+      <a:fontRef idx="minor">
+        <a:schemeClr val="lt1"/>
+      </a:fontRef>
+    </dgm:style>
+  </dgm:styleLbl>
+  <dgm:styleLbl name="parChTrans2D4">
+    <dgm:scene3d>
+      <a:camera prst="orthographicFront"/>
+      <a:lightRig rig="threePt" dir="t"/>
+    </dgm:scene3d>
+    <dgm:sp3d/>
+    <dgm:txPr/>
+    <dgm:style>
+      <a:lnRef idx="2">
+        <a:scrgbClr r="0" g="0" b="0"/>
+      </a:lnRef>
+      <a:fillRef idx="1">
+        <a:scrgbClr r="0" g="0" b="0"/>
+      </a:fillRef>
+      <a:effectRef idx="0">
+        <a:scrgbClr r="0" g="0" b="0"/>
+      </a:effectRef>
+      <a:fontRef idx="minor">
+        <a:schemeClr val="lt1"/>
+      </a:fontRef>
+    </dgm:style>
+  </dgm:styleLbl>
+  <dgm:styleLbl name="parChTrans1D1">
+    <dgm:scene3d>
+      <a:camera prst="orthographicFront"/>
+      <a:lightRig rig="threePt" dir="t"/>
+    </dgm:scene3d>
+    <dgm:sp3d/>
+    <dgm:txPr/>
+    <dgm:style>
+      <a:lnRef idx="2">
+        <a:scrgbClr r="0" g="0" b="0"/>
+      </a:lnRef>
+      <a:fillRef idx="0">
+        <a:scrgbClr r="0" g="0" b="0"/>
+      </a:fillRef>
+      <a:effectRef idx="0">
+        <a:scrgbClr r="0" g="0" b="0"/>
+      </a:effectRef>
+      <a:fontRef idx="minor"/>
+    </dgm:style>
+  </dgm:styleLbl>
+  <dgm:styleLbl name="parChTrans1D2">
+    <dgm:scene3d>
+      <a:camera prst="orthographicFront"/>
+      <a:lightRig rig="threePt" dir="t"/>
+    </dgm:scene3d>
+    <dgm:sp3d/>
+    <dgm:txPr/>
+    <dgm:style>
+      <a:lnRef idx="2">
+        <a:scrgbClr r="0" g="0" b="0"/>
+      </a:lnRef>
+      <a:fillRef idx="0">
+        <a:scrgbClr r="0" g="0" b="0"/>
+      </a:fillRef>
+      <a:effectRef idx="0">
+        <a:scrgbClr r="0" g="0" b="0"/>
+      </a:effectRef>
+      <a:fontRef idx="minor"/>
+    </dgm:style>
+  </dgm:styleLbl>
+  <dgm:styleLbl name="parChTrans1D3">
+    <dgm:scene3d>
+      <a:camera prst="orthographicFront"/>
+      <a:lightRig rig="threePt" dir="t"/>
+    </dgm:scene3d>
+    <dgm:sp3d/>
+    <dgm:txPr/>
+    <dgm:style>
+      <a:lnRef idx="2">
+        <a:scrgbClr r="0" g="0" b="0"/>
+      </a:lnRef>
+      <a:fillRef idx="0">
+        <a:scrgbClr r="0" g="0" b="0"/>
+      </a:fillRef>
+      <a:effectRef idx="0">
+        <a:scrgbClr r="0" g="0" b="0"/>
+      </a:effectRef>
+      <a:fontRef idx="minor"/>
+    </dgm:style>
+  </dgm:styleLbl>
+  <dgm:styleLbl name="parChTrans1D4">
+    <dgm:scene3d>
+      <a:camera prst="orthographicFront"/>
+      <a:lightRig rig="threePt" dir="t"/>
+    </dgm:scene3d>
+    <dgm:sp3d/>
+    <dgm:txPr/>
+    <dgm:style>
+      <a:lnRef idx="2">
+        <a:scrgbClr r="0" g="0" b="0"/>
+      </a:lnRef>
+      <a:fillRef idx="0">
+        <a:scrgbClr r="0" g="0" b="0"/>
+      </a:fillRef>
+      <a:effectRef idx="0">
+        <a:scrgbClr r="0" g="0" b="0"/>
+      </a:effectRef>
+      <a:fontRef idx="minor"/>
+    </dgm:style>
+  </dgm:styleLbl>
+  <dgm:styleLbl name="fgAcc1">
+    <dgm:scene3d>
+      <a:camera prst="orthographicFront"/>
+      <a:lightRig rig="threePt" dir="t"/>
+    </dgm:scene3d>
+    <dgm:sp3d/>
+    <dgm:txPr/>
+    <dgm:style>
+      <a:lnRef idx="2">
+        <a:scrgbClr r="0" g="0" b="0"/>
+      </a:lnRef>
+      <a:fillRef idx="1">
+        <a:scrgbClr r="0" g="0" b="0"/>
+      </a:fillRef>
+      <a:effectRef idx="0">
+        <a:scrgbClr r="0" g="0" b="0"/>
+      </a:effectRef>
+      <a:fontRef idx="minor"/>
+    </dgm:style>
+  </dgm:styleLbl>
+  <dgm:styleLbl name="conFgAcc1">
+    <dgm:scene3d>
+      <a:camera prst="orthographicFront"/>
+      <a:lightRig rig="threePt" dir="t"/>
+    </dgm:scene3d>
+    <dgm:sp3d/>
+    <dgm:txPr/>
+    <dgm:style>
+      <a:lnRef idx="2">
+        <a:scrgbClr r="0" g="0" b="0"/>
+      </a:lnRef>
+      <a:fillRef idx="1">
+        <a:scrgbClr r="0" g="0" b="0"/>
+      </a:fillRef>
+      <a:effectRef idx="0">
+        <a:scrgbClr r="0" g="0" b="0"/>
+      </a:effectRef>
+      <a:fontRef idx="minor"/>
+    </dgm:style>
+  </dgm:styleLbl>
+  <dgm:styleLbl name="alignAcc1">
+    <dgm:scene3d>
+      <a:camera prst="orthographicFront"/>
+      <a:lightRig rig="threePt" dir="t"/>
+    </dgm:scene3d>
+    <dgm:sp3d/>
+    <dgm:txPr/>
+    <dgm:style>
+      <a:lnRef idx="2">
+        <a:scrgbClr r="0" g="0" b="0"/>
+      </a:lnRef>
+      <a:fillRef idx="1">
+        <a:scrgbClr r="0" g="0" b="0"/>
+      </a:fillRef>
+      <a:effectRef idx="0">
+        <a:scrgbClr r="0" g="0" b="0"/>
+      </a:effectRef>
+      <a:fontRef idx="minor"/>
+    </dgm:style>
+  </dgm:styleLbl>
+  <dgm:styleLbl name="trAlignAcc1">
+    <dgm:scene3d>
+      <a:camera prst="orthographicFront"/>
+      <a:lightRig rig="threePt" dir="t"/>
+    </dgm:scene3d>
+    <dgm:sp3d/>
+    <dgm:txPr/>
+    <dgm:style>
+      <a:lnRef idx="1">
+        <a:scrgbClr r="0" g="0" b="0"/>
+      </a:lnRef>
+      <a:fillRef idx="1">
+        <a:scrgbClr r="0" g="0" b="0"/>
+      </a:fillRef>
+      <a:effectRef idx="0">
+        <a:scrgbClr r="0" g="0" b="0"/>
+      </a:effectRef>
+      <a:fontRef idx="minor"/>
+    </dgm:style>
+  </dgm:styleLbl>
+  <dgm:styleLbl name="bgAcc1">
+    <dgm:scene3d>
+      <a:camera prst="orthographicFront"/>
+      <a:lightRig rig="threePt" dir="t"/>
+    </dgm:scene3d>
+    <dgm:sp3d/>
+    <dgm:txPr/>
+    <dgm:style>
+      <a:lnRef idx="2">
+        <a:scrgbClr r="0" g="0" b="0"/>
+      </a:lnRef>
+      <a:fillRef idx="1">
+        <a:scrgbClr r="0" g="0" b="0"/>
+      </a:fillRef>
+      <a:effectRef idx="0">
+        <a:scrgbClr r="0" g="0" b="0"/>
+      </a:effectRef>
+      <a:fontRef idx="minor"/>
+    </dgm:style>
+  </dgm:styleLbl>
+  <dgm:styleLbl name="solidFgAcc1">
+    <dgm:scene3d>
+      <a:camera prst="orthographicFront"/>
+      <a:lightRig rig="threePt" dir="t"/>
+    </dgm:scene3d>
+    <dgm:sp3d/>
+    <dgm:txPr/>
+    <dgm:style>
+      <a:lnRef idx="2">
+        <a:scrgbClr r="0" g="0" b="0"/>
+      </a:lnRef>
+      <a:fillRef idx="1">
+        <a:scrgbClr r="0" g="0" b="0"/>
+      </a:fillRef>
+      <a:effectRef idx="0">
+        <a:scrgbClr r="0" g="0" b="0"/>
+      </a:effectRef>
+      <a:fontRef idx="minor"/>
+    </dgm:style>
+  </dgm:styleLbl>
+  <dgm:styleLbl name="solidAlignAcc1">
+    <dgm:scene3d>
+      <a:camera prst="orthographicFront"/>
+      <a:lightRig rig="threePt" dir="t"/>
+    </dgm:scene3d>
+    <dgm:sp3d/>
+    <dgm:txPr/>
+    <dgm:style>
+      <a:lnRef idx="2">
+        <a:scrgbClr r="0" g="0" b="0"/>
+      </a:lnRef>
+      <a:fillRef idx="1">
+        <a:scrgbClr r="0" g="0" b="0"/>
+      </a:fillRef>
+      <a:effectRef idx="0">
+        <a:scrgbClr r="0" g="0" b="0"/>
+      </a:effectRef>
+      <a:fontRef idx="minor"/>
+    </dgm:style>
+  </dgm:styleLbl>
+  <dgm:styleLbl name="solidBgAcc1">
+    <dgm:scene3d>
+      <a:camera prst="orthographicFront"/>
+      <a:lightRig rig="threePt" dir="t"/>
+    </dgm:scene3d>
+    <dgm:sp3d/>
+    <dgm:txPr/>
+    <dgm:style>
+      <a:lnRef idx="2">
+        <a:scrgbClr r="0" g="0" b="0"/>
+      </a:lnRef>
+      <a:fillRef idx="1">
+        <a:scrgbClr r="0" g="0" b="0"/>
+      </a:fillRef>
+      <a:effectRef idx="0">
+        <a:scrgbClr r="0" g="0" b="0"/>
+      </a:effectRef>
+      <a:fontRef idx="minor"/>
+    </dgm:style>
+  </dgm:styleLbl>
+  <dgm:styleLbl name="fgAccFollowNode1">
+    <dgm:scene3d>
+      <a:camera prst="orthographicFront"/>
+      <a:lightRig rig="threePt" dir="t"/>
+    </dgm:scene3d>
+    <dgm:sp3d/>
+    <dgm:txPr/>
+    <dgm:style>
+      <a:lnRef idx="2">
+        <a:scrgbClr r="0" g="0" b="0"/>
+      </a:lnRef>
+      <a:fillRef idx="1">
+        <a:scrgbClr r="0" g="0" b="0"/>
+      </a:fillRef>
+      <a:effectRef idx="0">
+        <a:scrgbClr r="0" g="0" b="0"/>
+      </a:effectRef>
+      <a:fontRef idx="minor"/>
+    </dgm:style>
+  </dgm:styleLbl>
+  <dgm:styleLbl name="alignAccFollowNode1">
+    <dgm:scene3d>
+      <a:camera prst="orthographicFront"/>
+      <a:lightRig rig="threePt" dir="t"/>
+    </dgm:scene3d>
+    <dgm:sp3d/>
+    <dgm:txPr/>
+    <dgm:style>
+      <a:lnRef idx="2">
+        <a:scrgbClr r="0" g="0" b="0"/>
+      </a:lnRef>
+      <a:fillRef idx="1">
+        <a:scrgbClr r="0" g="0" b="0"/>
+      </a:fillRef>
+      <a:effectRef idx="0">
+        <a:scrgbClr r="0" g="0" b="0"/>
+      </a:effectRef>
+      <a:fontRef idx="minor"/>
+    </dgm:style>
+  </dgm:styleLbl>
+  <dgm:styleLbl name="bgAccFollowNode1">
+    <dgm:scene3d>
+      <a:camera prst="orthographicFront"/>
+      <a:lightRig rig="threePt" dir="t"/>
+    </dgm:scene3d>
+    <dgm:sp3d/>
+    <dgm:txPr/>
+    <dgm:style>
+      <a:lnRef idx="2">
+        <a:scrgbClr r="0" g="0" b="0"/>
+      </a:lnRef>
+      <a:fillRef idx="1">
+        <a:scrgbClr r="0" g="0" b="0"/>
+      </a:fillRef>
+      <a:effectRef idx="0">
+        <a:scrgbClr r="0" g="0" b="0"/>
+      </a:effectRef>
+      <a:fontRef idx="minor"/>
+    </dgm:style>
+  </dgm:styleLbl>
+  <dgm:styleLbl name="fgAcc0">
+    <dgm:scene3d>
+      <a:camera prst="orthographicFront"/>
+      <a:lightRig rig="threePt" dir="t"/>
+    </dgm:scene3d>
+    <dgm:sp3d/>
+    <dgm:txPr/>
+    <dgm:style>
+      <a:lnRef idx="2">
+        <a:scrgbClr r="0" g="0" b="0"/>
+      </a:lnRef>
+      <a:fillRef idx="1">
+        <a:scrgbClr r="0" g="0" b="0"/>
+      </a:fillRef>
+      <a:effectRef idx="0">
+        <a:scrgbClr r="0" g="0" b="0"/>
+      </a:effectRef>
+      <a:fontRef idx="minor"/>
+    </dgm:style>
+  </dgm:styleLbl>
+  <dgm:styleLbl name="fgAcc2">
+    <dgm:scene3d>
+      <a:camera prst="orthographicFront"/>
+      <a:lightRig rig="threePt" dir="t"/>
+    </dgm:scene3d>
+    <dgm:sp3d/>
+    <dgm:txPr/>
+    <dgm:style>
+      <a:lnRef idx="2">
+        <a:scrgbClr r="0" g="0" b="0"/>
+      </a:lnRef>
+      <a:fillRef idx="1">
+        <a:scrgbClr r="0" g="0" b="0"/>
+      </a:fillRef>
+      <a:effectRef idx="0">
+        <a:scrgbClr r="0" g="0" b="0"/>
+      </a:effectRef>
+      <a:fontRef idx="minor"/>
+    </dgm:style>
+  </dgm:styleLbl>
+  <dgm:styleLbl name="fgAcc3">
+    <dgm:scene3d>
+      <a:camera prst="orthographicFront"/>
+      <a:lightRig rig="threePt" dir="t"/>
+    </dgm:scene3d>
+    <dgm:sp3d/>
+    <dgm:txPr/>
+    <dgm:style>
+      <a:lnRef idx="2">
+        <a:scrgbClr r="0" g="0" b="0"/>
+      </a:lnRef>
+      <a:fillRef idx="1">
+        <a:scrgbClr r="0" g="0" b="0"/>
+      </a:fillRef>
+      <a:effectRef idx="0">
+        <a:scrgbClr r="0" g="0" b="0"/>
+      </a:effectRef>
+      <a:fontRef idx="minor"/>
+    </dgm:style>
+  </dgm:styleLbl>
+  <dgm:styleLbl name="fgAcc4">
+    <dgm:scene3d>
+      <a:camera prst="orthographicFront"/>
+      <a:lightRig rig="threePt" dir="t"/>
+    </dgm:scene3d>
+    <dgm:sp3d/>
+    <dgm:txPr/>
+    <dgm:style>
+      <a:lnRef idx="2">
+        <a:scrgbClr r="0" g="0" b="0"/>
+      </a:lnRef>
+      <a:fillRef idx="1">
+        <a:scrgbClr r="0" g="0" b="0"/>
+      </a:fillRef>
+      <a:effectRef idx="0">
+        <a:scrgbClr r="0" g="0" b="0"/>
+      </a:effectRef>
+      <a:fontRef idx="minor"/>
+    </dgm:style>
+  </dgm:styleLbl>
+  <dgm:styleLbl name="bgShp">
+    <dgm:scene3d>
+      <a:camera prst="orthographicFront"/>
+      <a:lightRig rig="threePt" dir="t"/>
+    </dgm:scene3d>
+    <dgm:sp3d/>
+    <dgm:txPr/>
+    <dgm:style>
+      <a:lnRef idx="0">
+        <a:scrgbClr r="0" g="0" b="0"/>
+      </a:lnRef>
+      <a:fillRef idx="1">
+        <a:scrgbClr r="0" g="0" b="0"/>
+      </a:fillRef>
+      <a:effectRef idx="0">
+        <a:scrgbClr r="0" g="0" b="0"/>
+      </a:effectRef>
+      <a:fontRef idx="minor"/>
+    </dgm:style>
+  </dgm:styleLbl>
+  <dgm:styleLbl name="dkBgShp">
+    <dgm:scene3d>
+      <a:camera prst="orthographicFront"/>
+      <a:lightRig rig="threePt" dir="t"/>
+    </dgm:scene3d>
+    <dgm:sp3d/>
+    <dgm:txPr/>
+    <dgm:style>
+      <a:lnRef idx="0">
+        <a:scrgbClr r="0" g="0" b="0"/>
+      </a:lnRef>
+      <a:fillRef idx="1">
+        <a:scrgbClr r="0" g="0" b="0"/>
+      </a:fillRef>
+      <a:effectRef idx="0">
+        <a:scrgbClr r="0" g="0" b="0"/>
+      </a:effectRef>
+      <a:fontRef idx="minor"/>
+    </dgm:style>
+  </dgm:styleLbl>
+  <dgm:styleLbl name="trBgShp">
+    <dgm:scene3d>
+      <a:camera prst="orthographicFront"/>
+      <a:lightRig rig="threePt" dir="t"/>
+    </dgm:scene3d>
+    <dgm:sp3d/>
+    <dgm:txPr/>
+    <dgm:style>
+      <a:lnRef idx="0">
+        <a:scrgbClr r="0" g="0" b="0"/>
+      </a:lnRef>
+      <a:fillRef idx="1">
+        <a:scrgbClr r="0" g="0" b="0"/>
+      </a:fillRef>
+      <a:effectRef idx="0">
+        <a:scrgbClr r="0" g="0" b="0"/>
+      </a:effectRef>
+      <a:fontRef idx="minor"/>
+    </dgm:style>
+  </dgm:styleLbl>
+  <dgm:styleLbl name="fgShp">
+    <dgm:scene3d>
+      <a:camera prst="orthographicFront"/>
+      <a:lightRig rig="threePt" dir="t"/>
+    </dgm:scene3d>
+    <dgm:sp3d/>
+    <dgm:txPr/>
+    <dgm:style>
+      <a:lnRef idx="2">
+        <a:scrgbClr r="0" g="0" b="0"/>
+      </a:lnRef>
+      <a:fillRef idx="1">
+        <a:scrgbClr r="0" g="0" b="0"/>
+      </a:fillRef>
+      <a:effectRef idx="0">
+        <a:scrgbClr r="0" g="0" b="0"/>
+      </a:effectRef>
+      <a:fontRef idx="minor"/>
+    </dgm:style>
+  </dgm:styleLbl>
+  <dgm:styleLbl name="revTx">
+    <dgm:scene3d>
+      <a:camera prst="orthographicFront"/>
+      <a:lightRig rig="threePt" dir="t"/>
+    </dgm:scene3d>
+    <dgm:sp3d/>
+    <dgm:txPr/>
+    <dgm:style>
+      <a:lnRef idx="0">
+        <a:scrgbClr r="0" g="0" b="0"/>
+      </a:lnRef>
+      <a:fillRef idx="0">
+        <a:scrgbClr r="0" g="0" b="0"/>
+      </a:fillRef>
+      <a:effectRef idx="0">
+        <a:scrgbClr r="0" g="0" b="0"/>
+      </a:effectRef>
+      <a:fontRef idx="minor"/>
+    </dgm:style>
+  </dgm:styleLbl>
+</dgm:styleDef>
 </file>
 
 <file path=ppt/slideLayouts/slideLayout1.xml><?xml version="1.0" encoding="utf-8"?>
@@ -6069,6 +8661,7 @@
           <a:lstStyle/>
           <a:p>
             <a:r>
+              <a:rPr dirty="0"/>
               <a:t>California Housing Price Prediction</a:t>
             </a:r>
           </a:p>
@@ -6159,7 +8752,7 @@
           <a:lstStyle/>
           <a:p>
             <a:r>
-              <a:t>Linear Regression Diagnostics</a:t>
+              <a:t>Model Performance</a:t>
             </a:r>
           </a:p>
         </p:txBody>
@@ -6180,26 +8773,66 @@
           <a:lstStyle/>
           <a:p>
             <a:r>
-              <a:t>Actual vs Predicted: Underestimates mid-range</a:t>
-            </a:r>
-          </a:p>
-          <a:p>
-            <a:r>
-              <a:t>Residuals vs Predicted: Funnel shape</a:t>
-            </a:r>
-          </a:p>
-          <a:p>
-            <a:r>
-              <a:t>Residuals Distribution: Skewed errors</a:t>
-            </a:r>
-          </a:p>
-          <a:p>
-            <a:r>
-              <a:t>Linear assumptions violated</a:t>
-            </a:r>
-          </a:p>
-        </p:txBody>
-      </p:sp>
+              <a:t>Dummy: MAE $92,837, R² ≈ 0</a:t>
+            </a:r>
+          </a:p>
+          <a:p>
+            <a:r>
+              <a:t>Linear: MAE $50,413, R² 0.649</a:t>
+            </a:r>
+          </a:p>
+          <a:p>
+            <a:r>
+              <a:t>Random Forest: MAE $31,678, R² 0.826</a:t>
+            </a:r>
+          </a:p>
+          <a:p>
+            <a:r>
+              <a:t>Gradient Boosting: MAE $39,267, R² 0.766</a:t>
+            </a:r>
+          </a:p>
+        </p:txBody>
+      </p:sp>
+      <p:pic>
+        <p:nvPicPr>
+          <p:cNvPr id="5" name="Picture 4">
+            <a:extLst>
+              <a:ext uri="{FF2B5EF4-FFF2-40B4-BE49-F238E27FC236}">
+                <a16:creationId xmlns:a16="http://schemas.microsoft.com/office/drawing/2014/main" id="{88C17F44-4E5D-DB89-DF01-E78D3DA3FFF5}"/>
+              </a:ext>
+            </a:extLst>
+          </p:cNvPr>
+          <p:cNvPicPr>
+            <a:picLocks noChangeAspect="1"/>
+          </p:cNvPicPr>
+          <p:nvPr/>
+        </p:nvPicPr>
+        <p:blipFill>
+          <a:blip r:embed="rId2"/>
+          <a:stretch>
+            <a:fillRect/>
+          </a:stretch>
+        </p:blipFill>
+        <p:spPr>
+          <a:xfrm>
+            <a:off x="745997" y="4288867"/>
+            <a:ext cx="6602973" cy="1660997"/>
+          </a:xfrm>
+          <a:prstGeom prst="rect">
+            <a:avLst/>
+          </a:prstGeom>
+          <a:ln>
+            <a:noFill/>
+          </a:ln>
+          <a:effectLst>
+            <a:outerShdw blurRad="292100" dist="139700" dir="2700000" algn="tl" rotWithShape="0">
+              <a:srgbClr val="333333">
+                <a:alpha val="65000"/>
+              </a:srgbClr>
+            </a:outerShdw>
+          </a:effectLst>
+        </p:spPr>
+      </p:pic>
     </p:spTree>
   </p:cSld>
   <p:clrMapOvr>
@@ -6227,13 +8860,7 @@
       </p:grpSpPr>
       <p:sp>
         <p:nvSpPr>
-          <p:cNvPr id="2" name="Title 1">
-            <a:extLst>
-              <a:ext uri="{FF2B5EF4-FFF2-40B4-BE49-F238E27FC236}">
-                <a16:creationId xmlns:a16="http://schemas.microsoft.com/office/drawing/2014/main" id="{2C09B232-B4C1-D8FB-8F4D-1892C93E6203}"/>
-              </a:ext>
-            </a:extLst>
-          </p:cNvPr>
+          <p:cNvPr id="2" name="Title 1"/>
           <p:cNvSpPr>
             <a:spLocks noGrp="1"/>
           </p:cNvSpPr>
@@ -6246,10 +8873,73 @@
           <a:bodyPr/>
           <a:lstStyle/>
           <a:p>
-            <a:endParaRPr lang="en-US"/>
-          </a:p>
-        </p:txBody>
-      </p:sp>
+            <a:r>
+              <a:t>Linear Regression Diagnostics</a:t>
+            </a:r>
+          </a:p>
+        </p:txBody>
+      </p:sp>
+      <p:sp>
+        <p:nvSpPr>
+          <p:cNvPr id="3" name="Content Placeholder 2"/>
+          <p:cNvSpPr>
+            <a:spLocks noGrp="1"/>
+          </p:cNvSpPr>
+          <p:nvPr>
+            <p:ph idx="1"/>
+          </p:nvPr>
+        </p:nvSpPr>
+        <p:spPr/>
+        <p:txBody>
+          <a:bodyPr/>
+          <a:lstStyle/>
+          <a:p>
+            <a:r>
+              <a:t>Actual vs Predicted: Underestimates mid-range</a:t>
+            </a:r>
+          </a:p>
+          <a:p>
+            <a:r>
+              <a:t>Residuals vs Predicted: Funnel shape</a:t>
+            </a:r>
+          </a:p>
+          <a:p>
+            <a:r>
+              <a:t>Residuals Distribution: Skewed errors</a:t>
+            </a:r>
+          </a:p>
+          <a:p>
+            <a:r>
+              <a:t>Linear assumptions violated</a:t>
+            </a:r>
+          </a:p>
+        </p:txBody>
+      </p:sp>
+    </p:spTree>
+  </p:cSld>
+  <p:clrMapOvr>
+    <a:masterClrMapping/>
+  </p:clrMapOvr>
+</p:sld>
+</file>
+
+<file path=ppt/slides/slide12.xml><?xml version="1.0" encoding="utf-8"?>
+<p:sld xmlns:a="http://schemas.openxmlformats.org/drawingml/2006/main" xmlns:r="http://schemas.openxmlformats.org/officeDocument/2006/relationships" xmlns:p="http://schemas.openxmlformats.org/presentationml/2006/main">
+  <p:cSld>
+    <p:spTree>
+      <p:nvGrpSpPr>
+        <p:cNvPr id="1" name=""/>
+        <p:cNvGrpSpPr/>
+        <p:nvPr/>
+      </p:nvGrpSpPr>
+      <p:grpSpPr>
+        <a:xfrm>
+          <a:off x="0" y="0"/>
+          <a:ext cx="0" cy="0"/>
+          <a:chOff x="0" y="0"/>
+          <a:chExt cx="0" cy="0"/>
+        </a:xfrm>
+      </p:grpSpPr>
       <p:pic>
         <p:nvPicPr>
           <p:cNvPr id="6" name="Content Placeholder 5">
@@ -6274,7 +8964,7 @@
         </p:blipFill>
         <p:spPr>
           <a:xfrm>
-            <a:off x="609599" y="683712"/>
+            <a:off x="913280" y="683712"/>
             <a:ext cx="7317440" cy="5490576"/>
           </a:xfrm>
         </p:spPr>
@@ -6292,7 +8982,7 @@
 </p:sld>
 </file>
 
-<file path=ppt/slides/slide12.xml><?xml version="1.0" encoding="utf-8"?>
+<file path=ppt/slides/slide13.xml><?xml version="1.0" encoding="utf-8"?>
 <p:sld xmlns:a="http://schemas.openxmlformats.org/drawingml/2006/main" xmlns:r="http://schemas.openxmlformats.org/officeDocument/2006/relationships" xmlns:p="http://schemas.openxmlformats.org/presentationml/2006/main">
   <p:cSld>
     <p:spTree>
@@ -6379,7 +9069,7 @@
 </p:sld>
 </file>
 
-<file path=ppt/slides/slide13.xml><?xml version="1.0" encoding="utf-8"?>
+<file path=ppt/slides/slide14.xml><?xml version="1.0" encoding="utf-8"?>
 <p:sld xmlns:a="http://schemas.openxmlformats.org/drawingml/2006/main" xmlns:r="http://schemas.openxmlformats.org/officeDocument/2006/relationships" xmlns:p="http://schemas.openxmlformats.org/presentationml/2006/main">
   <p:cSld>
     <p:spTree>
@@ -6438,9 +9128,17 @@
 </p:sld>
 </file>
 
-<file path=ppt/slides/slide14.xml><?xml version="1.0" encoding="utf-8"?>
+<file path=ppt/slides/slide15.xml><?xml version="1.0" encoding="utf-8"?>
 <p:sld xmlns:a="http://schemas.openxmlformats.org/drawingml/2006/main" xmlns:r="http://schemas.openxmlformats.org/officeDocument/2006/relationships" xmlns:p="http://schemas.openxmlformats.org/presentationml/2006/main">
   <p:cSld>
+    <p:bg>
+      <p:bgPr>
+        <a:solidFill>
+          <a:schemeClr val="bg1"/>
+        </a:solidFill>
+        <a:effectLst/>
+      </p:bgPr>
+    </p:bg>
     <p:spTree>
       <p:nvGrpSpPr>
         <p:cNvPr id="1" name=""/>
@@ -6465,12 +9163,20 @@
             <p:ph type="title"/>
           </p:nvPr>
         </p:nvSpPr>
-        <p:spPr/>
-        <p:txBody>
-          <a:bodyPr/>
+        <p:spPr>
+          <a:xfrm>
+            <a:off x="508000" y="609600"/>
+            <a:ext cx="6447501" cy="1320800"/>
+          </a:xfrm>
+        </p:spPr>
+        <p:txBody>
+          <a:bodyPr anchor="t">
+            <a:normAutofit/>
+          </a:bodyPr>
           <a:lstStyle/>
           <a:p>
             <a:r>
+              <a:rPr lang="en-US"/>
               <a:t>Final Model Tuning</a:t>
             </a:r>
           </a:p>
@@ -6486,18 +9192,43 @@
             <p:ph idx="1"/>
           </p:nvPr>
         </p:nvSpPr>
-        <p:spPr/>
-        <p:txBody>
-          <a:bodyPr/>
+        <p:spPr>
+          <a:xfrm>
+            <a:off x="5230517" y="2160589"/>
+            <a:ext cx="2201035" cy="3880773"/>
+          </a:xfrm>
+        </p:spPr>
+        <p:txBody>
+          <a:bodyPr>
+            <a:normAutofit/>
+          </a:bodyPr>
           <a:lstStyle/>
           <a:p>
             <a:r>
+              <a:rPr lang="en-US" dirty="0"/>
               <a:t>Random Forest tuning improved to MAE $31,580, R² 0.827</a:t>
             </a:r>
           </a:p>
           <a:p>
             <a:r>
-              <a:t>Top predictors: median_income (log), rooms_per_household (log), longitude</a:t>
+              <a:rPr lang="en-US" dirty="0"/>
+              <a:t>Top predictors: </a:t>
+            </a:r>
+            <a:r>
+              <a:rPr lang="en-US" dirty="0" err="1"/>
+              <a:t>median_income</a:t>
+            </a:r>
+            <a:r>
+              <a:rPr lang="en-US" dirty="0"/>
+              <a:t> (log), </a:t>
+            </a:r>
+            <a:r>
+              <a:rPr lang="en-US" dirty="0" err="1"/>
+              <a:t>rooms_per_household</a:t>
+            </a:r>
+            <a:r>
+              <a:rPr lang="en-US" dirty="0"/>
+              <a:t> (log), longitude</a:t>
             </a:r>
           </a:p>
         </p:txBody>
@@ -6518,14 +9249,13 @@
         </p:nvPicPr>
         <p:blipFill>
           <a:blip r:embed="rId2"/>
-          <a:stretch>
-            <a:fillRect/>
-          </a:stretch>
+          <a:srcRect l="4696" r="17250"/>
+          <a:stretch/>
         </p:blipFill>
         <p:spPr>
           <a:xfrm>
-            <a:off x="1838036" y="3490253"/>
-            <a:ext cx="3733800" cy="2781300"/>
+            <a:off x="309489" y="1716258"/>
+            <a:ext cx="4921028" cy="4325435"/>
           </a:xfrm>
           <a:prstGeom prst="rect">
             <a:avLst/>
@@ -6540,9 +9270,17 @@
 </p:sld>
 </file>
 
-<file path=ppt/slides/slide15.xml><?xml version="1.0" encoding="utf-8"?>
+<file path=ppt/slides/slide16.xml><?xml version="1.0" encoding="utf-8"?>
 <p:sld xmlns:a="http://schemas.openxmlformats.org/drawingml/2006/main" xmlns:r="http://schemas.openxmlformats.org/officeDocument/2006/relationships" xmlns:p="http://schemas.openxmlformats.org/presentationml/2006/main">
   <p:cSld>
+    <p:bg>
+      <p:bgPr>
+        <a:solidFill>
+          <a:schemeClr val="bg1"/>
+        </a:solidFill>
+        <a:effectLst/>
+      </p:bgPr>
+    </p:bg>
     <p:spTree>
       <p:nvGrpSpPr>
         <p:cNvPr id="1" name=""/>
@@ -6557,6 +9295,66 @@
           <a:chExt cx="0" cy="0"/>
         </a:xfrm>
       </p:grpSpPr>
+      <p:sp useBgFill="1">
+        <p:nvSpPr>
+          <p:cNvPr id="9" name="Rectangle 8">
+            <a:extLst>
+              <a:ext uri="{FF2B5EF4-FFF2-40B4-BE49-F238E27FC236}">
+                <a16:creationId xmlns:a16="http://schemas.microsoft.com/office/drawing/2014/main" id="{9F4444CE-BC8D-4D61-B303-4C05614E62AB}"/>
+              </a:ext>
+              <a:ext uri="{C183D7F6-B498-43B3-948B-1728B52AA6E4}">
+                <adec:decorative xmlns:adec="http://schemas.microsoft.com/office/drawing/2017/decorative" val="1"/>
+              </a:ext>
+            </a:extLst>
+          </p:cNvPr>
+          <p:cNvSpPr>
+            <a:spLocks noGrp="1" noRot="1" noChangeAspect="1" noMove="1" noResize="1" noEditPoints="1" noAdjustHandles="1" noChangeArrowheads="1" noChangeShapeType="1" noTextEdit="1"/>
+          </p:cNvSpPr>
+          <p:nvPr>
+            <p:extLst>
+              <p:ext uri="{386F3935-93C4-4BCD-93E2-E3B085C9AB24}">
+                <p16:designElem xmlns:p16="http://schemas.microsoft.com/office/powerpoint/2015/main" val="1"/>
+              </p:ext>
+            </p:extLst>
+          </p:nvPr>
+        </p:nvSpPr>
+        <p:spPr>
+          <a:xfrm>
+            <a:off x="0" y="0"/>
+            <a:ext cx="9144000" cy="6858000"/>
+          </a:xfrm>
+          <a:prstGeom prst="rect">
+            <a:avLst/>
+          </a:prstGeom>
+          <a:ln>
+            <a:noFill/>
+          </a:ln>
+        </p:spPr>
+        <p:style>
+          <a:lnRef idx="2">
+            <a:schemeClr val="accent1">
+              <a:shade val="50000"/>
+            </a:schemeClr>
+          </a:lnRef>
+          <a:fillRef idx="1">
+            <a:schemeClr val="accent1"/>
+          </a:fillRef>
+          <a:effectRef idx="0">
+            <a:schemeClr val="accent1"/>
+          </a:effectRef>
+          <a:fontRef idx="minor">
+            <a:schemeClr val="lt1"/>
+          </a:fontRef>
+        </p:style>
+        <p:txBody>
+          <a:bodyPr rtlCol="0" anchor="ctr"/>
+          <a:lstStyle/>
+          <a:p>
+            <a:pPr algn="ctr"/>
+            <a:endParaRPr lang="en-US"/>
+          </a:p>
+        </p:txBody>
+      </p:sp>
       <p:sp>
         <p:nvSpPr>
           <p:cNvPr id="2" name="Title 1"/>
@@ -6567,43 +9365,185 @@
             <p:ph type="title"/>
           </p:nvPr>
         </p:nvSpPr>
-        <p:spPr/>
+        <p:spPr>
+          <a:xfrm>
+            <a:off x="965199" y="609600"/>
+            <a:ext cx="7648121" cy="1099457"/>
+          </a:xfrm>
+        </p:spPr>
+        <p:txBody>
+          <a:bodyPr>
+            <a:normAutofit/>
+          </a:bodyPr>
+          <a:lstStyle/>
+          <a:p>
+            <a:r>
+              <a:t>Conclusion &amp; Next Steps</a:t>
+            </a:r>
+          </a:p>
+        </p:txBody>
+      </p:sp>
+      <p:sp>
+        <p:nvSpPr>
+          <p:cNvPr id="11" name="Isosceles Triangle 10">
+            <a:extLst>
+              <a:ext uri="{FF2B5EF4-FFF2-40B4-BE49-F238E27FC236}">
+                <a16:creationId xmlns:a16="http://schemas.microsoft.com/office/drawing/2014/main" id="{73772B81-181F-48B7-8826-4D9686D15DF5}"/>
+              </a:ext>
+              <a:ext uri="{C183D7F6-B498-43B3-948B-1728B52AA6E4}">
+                <adec:decorative xmlns:adec="http://schemas.microsoft.com/office/drawing/2017/decorative" val="1"/>
+              </a:ext>
+            </a:extLst>
+          </p:cNvPr>
+          <p:cNvSpPr>
+            <a:spLocks noGrp="1" noRot="1" noChangeAspect="1" noMove="1" noResize="1" noEditPoints="1" noAdjustHandles="1" noChangeArrowheads="1" noChangeShapeType="1" noTextEdit="1"/>
+          </p:cNvSpPr>
+          <p:nvPr>
+            <p:extLst>
+              <p:ext uri="{386F3935-93C4-4BCD-93E2-E3B085C9AB24}">
+                <p16:designElem xmlns:p16="http://schemas.microsoft.com/office/powerpoint/2015/main" val="1"/>
+              </p:ext>
+            </p:extLst>
+          </p:nvPr>
+        </p:nvSpPr>
+        <p:spPr>
+          <a:xfrm rot="10800000">
+            <a:off x="0" y="0"/>
+            <a:ext cx="631947" cy="5666154"/>
+          </a:xfrm>
+          <a:prstGeom prst="triangle">
+            <a:avLst>
+              <a:gd name="adj" fmla="val 100000"/>
+            </a:avLst>
+          </a:prstGeom>
+          <a:solidFill>
+            <a:schemeClr val="accent1">
+              <a:alpha val="85000"/>
+            </a:schemeClr>
+          </a:solidFill>
+          <a:ln>
+            <a:noFill/>
+          </a:ln>
+          <a:effectLst/>
+        </p:spPr>
+        <p:style>
+          <a:lnRef idx="1">
+            <a:schemeClr val="accent1"/>
+          </a:lnRef>
+          <a:fillRef idx="3">
+            <a:schemeClr val="accent1"/>
+          </a:fillRef>
+          <a:effectRef idx="2">
+            <a:schemeClr val="accent1"/>
+          </a:effectRef>
+          <a:fontRef idx="minor">
+            <a:schemeClr val="lt1"/>
+          </a:fontRef>
+        </p:style>
         <p:txBody>
           <a:bodyPr/>
           <a:lstStyle/>
           <a:p>
-            <a:r>
-              <a:t>Conclusion &amp; Next Steps</a:t>
-            </a:r>
-          </a:p>
-        </p:txBody>
-      </p:sp>
-      <p:sp>
-        <p:nvSpPr>
-          <p:cNvPr id="3" name="Content Placeholder 2"/>
-          <p:cNvSpPr>
-            <a:spLocks noGrp="1"/>
-          </p:cNvSpPr>
-          <p:nvPr>
-            <p:ph idx="1"/>
-          </p:nvPr>
-        </p:nvSpPr>
-        <p:spPr/>
+            <a:endParaRPr lang="en-US"/>
+          </a:p>
+        </p:txBody>
+      </p:sp>
+      <p:sp>
+        <p:nvSpPr>
+          <p:cNvPr id="13" name="Isosceles Triangle 12">
+            <a:extLst>
+              <a:ext uri="{FF2B5EF4-FFF2-40B4-BE49-F238E27FC236}">
+                <a16:creationId xmlns:a16="http://schemas.microsoft.com/office/drawing/2014/main" id="{B2205F6E-03C6-4E92-877C-E2482F6599AA}"/>
+              </a:ext>
+              <a:ext uri="{C183D7F6-B498-43B3-948B-1728B52AA6E4}">
+                <adec:decorative xmlns:adec="http://schemas.microsoft.com/office/drawing/2017/decorative" val="1"/>
+              </a:ext>
+            </a:extLst>
+          </p:cNvPr>
+          <p:cNvSpPr>
+            <a:spLocks noGrp="1" noRot="1" noChangeAspect="1" noMove="1" noResize="1" noEditPoints="1" noAdjustHandles="1" noChangeArrowheads="1" noChangeShapeType="1" noTextEdit="1"/>
+          </p:cNvSpPr>
+          <p:nvPr>
+            <p:extLst>
+              <p:ext uri="{386F3935-93C4-4BCD-93E2-E3B085C9AB24}">
+                <p16:designElem xmlns:p16="http://schemas.microsoft.com/office/powerpoint/2015/main" val="1"/>
+              </p:ext>
+            </p:extLst>
+          </p:nvPr>
+        </p:nvSpPr>
+        <p:spPr>
+          <a:xfrm flipH="1">
+            <a:off x="8807450" y="4013200"/>
+            <a:ext cx="336550" cy="2844800"/>
+          </a:xfrm>
+          <a:prstGeom prst="triangle">
+            <a:avLst>
+              <a:gd name="adj" fmla="val 0"/>
+            </a:avLst>
+          </a:prstGeom>
+          <a:solidFill>
+            <a:schemeClr val="accent1">
+              <a:alpha val="85000"/>
+            </a:schemeClr>
+          </a:solidFill>
+          <a:ln>
+            <a:noFill/>
+          </a:ln>
+          <a:effectLst/>
+        </p:spPr>
+        <p:style>
+          <a:lnRef idx="1">
+            <a:schemeClr val="accent1"/>
+          </a:lnRef>
+          <a:fillRef idx="3">
+            <a:schemeClr val="accent1"/>
+          </a:fillRef>
+          <a:effectRef idx="2">
+            <a:schemeClr val="accent1"/>
+          </a:effectRef>
+          <a:fontRef idx="minor">
+            <a:schemeClr val="lt1"/>
+          </a:fontRef>
+        </p:style>
         <p:txBody>
           <a:bodyPr/>
           <a:lstStyle/>
           <a:p>
-            <a:r>
-              <a:t>Learned: Feature engineering, diagnostics crucial</a:t>
-            </a:r>
-          </a:p>
-          <a:p>
-            <a:r>
-              <a:t>Next: Try XGBoost/LightGBM, add external features, deploy as web app</a:t>
-            </a:r>
-          </a:p>
-        </p:txBody>
-      </p:sp>
+            <a:endParaRPr lang="en-US"/>
+          </a:p>
+        </p:txBody>
+      </p:sp>
+      <p:graphicFrame>
+        <p:nvGraphicFramePr>
+          <p:cNvPr id="5" name="Content Placeholder 2">
+            <a:extLst>
+              <a:ext uri="{FF2B5EF4-FFF2-40B4-BE49-F238E27FC236}">
+                <a16:creationId xmlns:a16="http://schemas.microsoft.com/office/drawing/2014/main" id="{483EB207-F17A-3D69-3C12-AA5BF74AF172}"/>
+              </a:ext>
+            </a:extLst>
+          </p:cNvPr>
+          <p:cNvGraphicFramePr>
+            <a:graphicFrameLocks noGrp="1"/>
+          </p:cNvGraphicFramePr>
+          <p:nvPr>
+            <p:ph idx="1"/>
+            <p:extLst>
+              <p:ext uri="{D42A27DB-BD31-4B8C-83A1-F6EECF244321}">
+                <p14:modId xmlns:p14="http://schemas.microsoft.com/office/powerpoint/2010/main" val="2017506522"/>
+              </p:ext>
+            </p:extLst>
+          </p:nvPr>
+        </p:nvGraphicFramePr>
+        <p:xfrm>
+          <a:off x="965199" y="1948543"/>
+          <a:ext cx="7213600" cy="4093482"/>
+        </p:xfrm>
+        <a:graphic>
+          <a:graphicData uri="http://schemas.openxmlformats.org/drawingml/2006/diagram">
+            <dgm:relIds xmlns:dgm="http://schemas.openxmlformats.org/drawingml/2006/diagram" xmlns:r="http://schemas.openxmlformats.org/officeDocument/2006/relationships" r:dm="rId2" r:lo="rId3" r:qs="rId4" r:cs="rId5"/>
+          </a:graphicData>
+        </a:graphic>
+      </p:graphicFrame>
     </p:spTree>
   </p:cSld>
   <p:clrMapOvr>
@@ -6908,8 +9848,14 @@
           <a:lstStyle/>
           <a:p>
             <a:r>
-              <a:t>Data Cleaning &amp; Feature Engineering</a:t>
-            </a:r>
+              <a:rPr dirty="0"/>
+              <a:t>Data Cleaning &amp; </a:t>
+            </a:r>
+            <a:r>
+              <a:rPr lang="en-US" dirty="0"/>
+              <a:t>Preprocessing</a:t>
+            </a:r>
+            <a:endParaRPr dirty="0"/>
           </a:p>
         </p:txBody>
       </p:sp>
@@ -6971,7 +9917,7 @@
         </p:blipFill>
         <p:spPr>
           <a:xfrm>
-            <a:off x="4204569" y="4100976"/>
+            <a:off x="969574" y="4100976"/>
             <a:ext cx="2434226" cy="2285173"/>
           </a:xfrm>
           <a:prstGeom prst="rect">
@@ -6979,6 +9925,82 @@
           </a:prstGeom>
         </p:spPr>
       </p:pic>
+      <p:pic>
+        <p:nvPicPr>
+          <p:cNvPr id="6" name="Picture 5">
+            <a:extLst>
+              <a:ext uri="{FF2B5EF4-FFF2-40B4-BE49-F238E27FC236}">
+                <a16:creationId xmlns:a16="http://schemas.microsoft.com/office/drawing/2014/main" id="{06F551D4-9965-1A38-AD47-E9447B7C417D}"/>
+              </a:ext>
+            </a:extLst>
+          </p:cNvPr>
+          <p:cNvPicPr>
+            <a:picLocks noChangeAspect="1"/>
+          </p:cNvPicPr>
+          <p:nvPr/>
+        </p:nvPicPr>
+        <p:blipFill>
+          <a:blip r:embed="rId3"/>
+          <a:stretch>
+            <a:fillRect/>
+          </a:stretch>
+        </p:blipFill>
+        <p:spPr>
+          <a:xfrm>
+            <a:off x="5826754" y="4100975"/>
+            <a:ext cx="2261118" cy="2285173"/>
+          </a:xfrm>
+          <a:prstGeom prst="rect">
+            <a:avLst/>
+          </a:prstGeom>
+        </p:spPr>
+      </p:pic>
+      <p:sp>
+        <p:nvSpPr>
+          <p:cNvPr id="9" name="Arrow: Down 8">
+            <a:extLst>
+              <a:ext uri="{FF2B5EF4-FFF2-40B4-BE49-F238E27FC236}">
+                <a16:creationId xmlns:a16="http://schemas.microsoft.com/office/drawing/2014/main" id="{AD443514-5A49-8B86-EFEC-E133051C5E5C}"/>
+              </a:ext>
+            </a:extLst>
+          </p:cNvPr>
+          <p:cNvSpPr/>
+          <p:nvPr/>
+        </p:nvSpPr>
+        <p:spPr>
+          <a:xfrm rot="16200000">
+            <a:off x="3600952" y="4431258"/>
+            <a:ext cx="2026502" cy="1744394"/>
+          </a:xfrm>
+          <a:prstGeom prst="downArrow">
+            <a:avLst/>
+          </a:prstGeom>
+        </p:spPr>
+        <p:style>
+          <a:lnRef idx="2">
+            <a:schemeClr val="accent1">
+              <a:shade val="15000"/>
+            </a:schemeClr>
+          </a:lnRef>
+          <a:fillRef idx="1">
+            <a:schemeClr val="accent1"/>
+          </a:fillRef>
+          <a:effectRef idx="0">
+            <a:schemeClr val="accent1"/>
+          </a:effectRef>
+          <a:fontRef idx="minor">
+            <a:schemeClr val="lt1"/>
+          </a:fontRef>
+        </p:style>
+        <p:txBody>
+          <a:bodyPr rtlCol="0" anchor="ctr"/>
+          <a:lstStyle/>
+          <a:p>
+            <a:pPr algn="ctr"/>
+            <a:endParaRPr lang="en-US"/>
+          </a:p>
+        </p:txBody>
+      </p:sp>
     </p:spTree>
   </p:cSld>
   <p:clrMapOvr>
@@ -6990,6 +10012,14 @@
 <file path=ppt/slides/slide5.xml><?xml version="1.0" encoding="utf-8"?>
 <p:sld xmlns:a="http://schemas.openxmlformats.org/drawingml/2006/main" xmlns:r="http://schemas.openxmlformats.org/officeDocument/2006/relationships" xmlns:p="http://schemas.openxmlformats.org/presentationml/2006/main">
   <p:cSld>
+    <p:bg>
+      <p:bgPr>
+        <a:solidFill>
+          <a:schemeClr val="bg1"/>
+        </a:solidFill>
+        <a:effectLst/>
+      </p:bgPr>
+    </p:bg>
     <p:spTree>
       <p:nvGrpSpPr>
         <p:cNvPr id="1" name=""/>
@@ -7014,12 +10044,25 @@
             <p:ph type="title"/>
           </p:nvPr>
         </p:nvSpPr>
-        <p:spPr/>
-        <p:txBody>
-          <a:bodyPr/>
+        <p:spPr>
+          <a:xfrm>
+            <a:off x="506298" y="609600"/>
+            <a:ext cx="2197889" cy="1320800"/>
+          </a:xfrm>
+        </p:spPr>
+        <p:txBody>
+          <a:bodyPr anchor="ctr">
+            <a:normAutofit/>
+          </a:bodyPr>
           <a:lstStyle/>
           <a:p>
-            <a:r>
+            <a:pPr>
+              <a:lnSpc>
+                <a:spcPct val="90000"/>
+              </a:lnSpc>
+            </a:pPr>
+            <a:r>
+              <a:rPr lang="en-US" sz="2800"/>
               <a:t>Exploratory Data Analysis</a:t>
             </a:r>
           </a:p>
@@ -7035,9 +10078,16 @@
             <p:ph idx="1"/>
           </p:nvPr>
         </p:nvSpPr>
-        <p:spPr/>
-        <p:txBody>
-          <a:bodyPr/>
+        <p:spPr>
+          <a:xfrm>
+            <a:off x="503520" y="2160589"/>
+            <a:ext cx="2197888" cy="3880773"/>
+          </a:xfrm>
+        </p:spPr>
+        <p:txBody>
+          <a:bodyPr>
+            <a:normAutofit/>
+          </a:bodyPr>
           <a:lstStyle/>
           <a:p>
             <a:r>
@@ -7056,6 +10106,66 @@
           </a:p>
         </p:txBody>
       </p:sp>
+      <p:pic>
+        <p:nvPicPr>
+          <p:cNvPr id="7" name="Picture 6">
+            <a:extLst>
+              <a:ext uri="{FF2B5EF4-FFF2-40B4-BE49-F238E27FC236}">
+                <a16:creationId xmlns:a16="http://schemas.microsoft.com/office/drawing/2014/main" id="{33A256E3-8453-59DC-069C-740FDCE12F69}"/>
+              </a:ext>
+            </a:extLst>
+          </p:cNvPr>
+          <p:cNvPicPr>
+            <a:picLocks noChangeAspect="1"/>
+          </p:cNvPicPr>
+          <p:nvPr/>
+        </p:nvPicPr>
+        <p:blipFill>
+          <a:blip r:embed="rId2"/>
+          <a:stretch>
+            <a:fillRect/>
+          </a:stretch>
+        </p:blipFill>
+        <p:spPr>
+          <a:xfrm>
+            <a:off x="2890752" y="838100"/>
+            <a:ext cx="4065872" cy="2144747"/>
+          </a:xfrm>
+          <a:prstGeom prst="rect">
+            <a:avLst/>
+          </a:prstGeom>
+        </p:spPr>
+      </p:pic>
+      <p:pic>
+        <p:nvPicPr>
+          <p:cNvPr id="5" name="Picture 4">
+            <a:extLst>
+              <a:ext uri="{FF2B5EF4-FFF2-40B4-BE49-F238E27FC236}">
+                <a16:creationId xmlns:a16="http://schemas.microsoft.com/office/drawing/2014/main" id="{5832D595-520F-90E3-210A-4E3CB1CF1688}"/>
+              </a:ext>
+            </a:extLst>
+          </p:cNvPr>
+          <p:cNvPicPr>
+            <a:picLocks noChangeAspect="1"/>
+          </p:cNvPicPr>
+          <p:nvPr/>
+        </p:nvPicPr>
+        <p:blipFill>
+          <a:blip r:embed="rId3"/>
+          <a:stretch>
+            <a:fillRect/>
+          </a:stretch>
+        </p:blipFill>
+        <p:spPr>
+          <a:xfrm>
+            <a:off x="2890753" y="3652570"/>
+            <a:ext cx="4065872" cy="2175241"/>
+          </a:xfrm>
+          <a:prstGeom prst="rect">
+            <a:avLst/>
+          </a:prstGeom>
+        </p:spPr>
+      </p:pic>
     </p:spTree>
   </p:cSld>
   <p:clrMapOvr>
@@ -7241,6 +10351,14 @@
 <file path=ppt/slides/slide8.xml><?xml version="1.0" encoding="utf-8"?>
 <p:sld xmlns:a="http://schemas.openxmlformats.org/drawingml/2006/main" xmlns:r="http://schemas.openxmlformats.org/officeDocument/2006/relationships" xmlns:p="http://schemas.openxmlformats.org/presentationml/2006/main">
   <p:cSld>
+    <p:bg>
+      <p:bgPr>
+        <a:solidFill>
+          <a:schemeClr val="bg1"/>
+        </a:solidFill>
+        <a:effectLst/>
+      </p:bgPr>
+    </p:bg>
     <p:spTree>
       <p:nvGrpSpPr>
         <p:cNvPr id="1" name=""/>
@@ -7255,9 +10373,62 @@
           <a:chExt cx="0" cy="0"/>
         </a:xfrm>
       </p:grpSpPr>
-      <p:sp>
-        <p:nvSpPr>
-          <p:cNvPr id="2" name="Title 1"/>
+      <p:cxnSp>
+        <p:nvCxnSpPr>
+          <p:cNvPr id="20" name="Straight Connector 19">
+            <a:extLst>
+              <a:ext uri="{FF2B5EF4-FFF2-40B4-BE49-F238E27FC236}">
+                <a16:creationId xmlns:a16="http://schemas.microsoft.com/office/drawing/2014/main" id="{0B5F7E3B-C5F1-40E0-A491-558BAFBC1127}"/>
+              </a:ext>
+              <a:ext uri="{C183D7F6-B498-43B3-948B-1728B52AA6E4}">
+                <adec:decorative xmlns:adec="http://schemas.microsoft.com/office/drawing/2017/decorative" val="1"/>
+              </a:ext>
+            </a:extLst>
+          </p:cNvPr>
+          <p:cNvCxnSpPr>
+            <a:cxnSpLocks noGrp="1" noRot="1" noChangeAspect="1" noMove="1" noResize="1" noEditPoints="1" noAdjustHandles="1" noChangeArrowheads="1" noChangeShapeType="1"/>
+          </p:cNvCxnSpPr>
+          <p:nvPr>
+            <p:extLst>
+              <p:ext uri="{386F3935-93C4-4BCD-93E2-E3B085C9AB24}">
+                <p16:designElem xmlns:p16="http://schemas.microsoft.com/office/powerpoint/2015/main" val="1"/>
+              </p:ext>
+            </p:extLst>
+          </p:nvPr>
+        </p:nvCxnSpPr>
+        <p:spPr>
+          <a:xfrm>
+            <a:off x="3181353" y="1460500"/>
+            <a:ext cx="0" cy="3937000"/>
+          </a:xfrm>
+          <a:prstGeom prst="line">
+            <a:avLst/>
+          </a:prstGeom>
+        </p:spPr>
+        <p:style>
+          <a:lnRef idx="1">
+            <a:schemeClr val="accent1"/>
+          </a:lnRef>
+          <a:fillRef idx="0">
+            <a:schemeClr val="accent1"/>
+          </a:fillRef>
+          <a:effectRef idx="0">
+            <a:schemeClr val="accent1"/>
+          </a:effectRef>
+          <a:fontRef idx="minor">
+            <a:schemeClr val="tx1"/>
+          </a:fontRef>
+        </p:style>
+      </p:cxnSp>
+      <p:sp>
+        <p:nvSpPr>
+          <p:cNvPr id="2" name="Title 1">
+            <a:extLst>
+              <a:ext uri="{FF2B5EF4-FFF2-40B4-BE49-F238E27FC236}">
+                <a16:creationId xmlns:a16="http://schemas.microsoft.com/office/drawing/2014/main" id="{B85318F3-7DA8-5401-0C3E-0EE8C829AA6D}"/>
+              </a:ext>
+            </a:extLst>
+          </p:cNvPr>
           <p:cNvSpPr>
             <a:spLocks noGrp="1"/>
           </p:cNvSpPr>
@@ -7265,54 +10436,661 @@
             <p:ph type="title"/>
           </p:nvPr>
         </p:nvSpPr>
-        <p:spPr/>
-        <p:txBody>
-          <a:bodyPr/>
+        <p:spPr>
+          <a:xfrm>
+            <a:off x="482600" y="816638"/>
+            <a:ext cx="2525519" cy="5224724"/>
+          </a:xfrm>
+        </p:spPr>
+        <p:txBody>
+          <a:bodyPr anchor="ctr">
+            <a:normAutofit/>
+          </a:bodyPr>
           <a:lstStyle/>
           <a:p>
             <a:r>
-              <a:t>Modeling Approach</a:t>
-            </a:r>
-          </a:p>
-        </p:txBody>
-      </p:sp>
-      <p:sp>
-        <p:nvSpPr>
-          <p:cNvPr id="3" name="Content Placeholder 2"/>
-          <p:cNvSpPr>
-            <a:spLocks noGrp="1"/>
+              <a:rPr lang="en-US" sz="3300"/>
+              <a:t>Feature Engineering &amp; Data Preparation</a:t>
+            </a:r>
+          </a:p>
+        </p:txBody>
+      </p:sp>
+      <p:sp>
+        <p:nvSpPr>
+          <p:cNvPr id="15" name="Rectangle 4">
+            <a:extLst>
+              <a:ext uri="{FF2B5EF4-FFF2-40B4-BE49-F238E27FC236}">
+                <a16:creationId xmlns:a16="http://schemas.microsoft.com/office/drawing/2014/main" id="{92827FA5-9E60-4C84-146E-944DAF9045E3}"/>
+              </a:ext>
+            </a:extLst>
+          </p:cNvPr>
+          <p:cNvSpPr>
+            <a:spLocks noGrp="1" noChangeArrowheads="1"/>
           </p:cNvSpPr>
           <p:nvPr>
             <p:ph idx="1"/>
           </p:nvPr>
         </p:nvSpPr>
-        <p:spPr/>
-        <p:txBody>
-          <a:bodyPr/>
+        <p:spPr bwMode="auto">
+          <a:xfrm>
+            <a:off x="3251691" y="675962"/>
+            <a:ext cx="4260577" cy="5781110"/>
+          </a:xfrm>
+          <a:prstGeom prst="rect">
+            <a:avLst/>
+          </a:prstGeom>
+          <a:extLst>
+            <a:ext uri="{909E8E84-426E-40DD-AFC4-6F175D3DCCD1}">
+              <a14:hiddenFill xmlns:a14="http://schemas.microsoft.com/office/drawing/2010/main">
+                <a:solidFill>
+                  <a:schemeClr val="accent1"/>
+                </a:solidFill>
+              </a14:hiddenFill>
+            </a:ext>
+            <a:ext uri="{91240B29-F687-4F45-9708-019B960494DF}">
+              <a14:hiddenLine xmlns:a14="http://schemas.microsoft.com/office/drawing/2010/main" w="9525">
+                <a:solidFill>
+                  <a:schemeClr val="tx1"/>
+                </a:solidFill>
+                <a:miter lim="800000"/>
+                <a:headEnd/>
+                <a:tailEnd/>
+              </a14:hiddenLine>
+            </a:ext>
+            <a:ext uri="{AF507438-7753-43E0-B8FC-AC1667EBCBE1}">
+              <a14:hiddenEffects xmlns:a14="http://schemas.microsoft.com/office/drawing/2010/main">
+                <a:effectLst>
+                  <a:outerShdw dist="35921" dir="2700000" algn="ctr" rotWithShape="0">
+                    <a:schemeClr val="bg2"/>
+                  </a:outerShdw>
+                </a:effectLst>
+              </a14:hiddenEffects>
+            </a:ext>
+          </a:extLst>
+        </p:spPr>
+        <p:txBody>
+          <a:bodyPr vert="horz" lIns="91440" tIns="45720" rIns="91440" bIns="45720" numCol="1" anchor="ctr" anchorCtr="0" compatLnSpc="1">
+            <a:prstTxWarp prst="textNoShape">
+              <a:avLst/>
+            </a:prstTxWarp>
+            <a:normAutofit/>
+          </a:bodyPr>
           <a:lstStyle/>
           <a:p>
-            <a:r>
-              <a:t>Dummy Regressor: Predicts mean</a:t>
-            </a:r>
-          </a:p>
-          <a:p>
-            <a:r>
-              <a:t>Linear Regression: Straight-line fit</a:t>
-            </a:r>
-          </a:p>
-          <a:p>
-            <a:r>
-              <a:t>Random Forest: Ensemble trees for non-linear patterns</a:t>
-            </a:r>
-          </a:p>
-          <a:p>
-            <a:r>
-              <a:t>Gradient Boosting: Sequential error correction</a:t>
-            </a:r>
+            <a:pPr marL="0" marR="0" lvl="0" indent="0" defTabSz="914400" rtl="0" eaLnBrk="0" fontAlgn="base" latinLnBrk="0" hangingPunct="0">
+              <a:lnSpc>
+                <a:spcPct val="90000"/>
+              </a:lnSpc>
+              <a:spcBef>
+                <a:spcPct val="0"/>
+              </a:spcBef>
+              <a:spcAft>
+                <a:spcPts val="600"/>
+              </a:spcAft>
+              <a:buClrTx/>
+              <a:buSzTx/>
+              <a:buNone/>
+              <a:tabLst/>
+            </a:pPr>
+            <a:r>
+              <a:rPr kumimoji="0" lang="en-US" altLang="en-US" sz="1600" b="1" i="0" u="none" strike="noStrike" cap="none" normalizeH="0" baseline="0" dirty="0">
+                <a:ln>
+                  <a:noFill/>
+                </a:ln>
+                <a:effectLst/>
+                <a:latin typeface="Arial" panose="020B0604020202020204" pitchFamily="34" charset="0"/>
+              </a:rPr>
+              <a:t>New Features Created:</a:t>
+            </a:r>
+            <a:endParaRPr kumimoji="0" lang="en-US" altLang="en-US" sz="1600" b="0" i="0" u="none" strike="noStrike" cap="none" normalizeH="0" baseline="0" dirty="0">
+              <a:ln>
+                <a:noFill/>
+              </a:ln>
+              <a:effectLst/>
+              <a:latin typeface="Arial" panose="020B0604020202020204" pitchFamily="34" charset="0"/>
+            </a:endParaRPr>
+          </a:p>
+          <a:p>
+            <a:pPr marL="0" marR="0" lvl="0" indent="0" defTabSz="914400" rtl="0" eaLnBrk="0" fontAlgn="base" latinLnBrk="0" hangingPunct="0">
+              <a:lnSpc>
+                <a:spcPct val="90000"/>
+              </a:lnSpc>
+              <a:spcBef>
+                <a:spcPct val="0"/>
+              </a:spcBef>
+              <a:spcAft>
+                <a:spcPts val="600"/>
+              </a:spcAft>
+              <a:buClrTx/>
+              <a:buSzTx/>
+              <a:buFontTx/>
+              <a:buChar char="•"/>
+              <a:tabLst/>
+            </a:pPr>
+            <a:r>
+              <a:rPr kumimoji="0" lang="en-US" altLang="en-US" sz="1600" b="0" i="1" u="none" strike="noStrike" cap="none" normalizeH="0" baseline="0" dirty="0">
+                <a:ln>
+                  <a:noFill/>
+                </a:ln>
+                <a:effectLst/>
+                <a:latin typeface="Arial" panose="020B0604020202020204" pitchFamily="34" charset="0"/>
+              </a:rPr>
+              <a:t>Rooms per Household</a:t>
+            </a:r>
+            <a:endParaRPr kumimoji="0" lang="en-US" altLang="en-US" sz="1600" b="0" i="0" u="none" strike="noStrike" cap="none" normalizeH="0" baseline="0" dirty="0">
+              <a:ln>
+                <a:noFill/>
+              </a:ln>
+              <a:effectLst/>
+              <a:latin typeface="Arial" panose="020B0604020202020204" pitchFamily="34" charset="0"/>
+            </a:endParaRPr>
+          </a:p>
+          <a:p>
+            <a:pPr marL="0" marR="0" lvl="0" indent="0" defTabSz="914400" rtl="0" eaLnBrk="0" fontAlgn="base" latinLnBrk="0" hangingPunct="0">
+              <a:lnSpc>
+                <a:spcPct val="90000"/>
+              </a:lnSpc>
+              <a:spcBef>
+                <a:spcPct val="0"/>
+              </a:spcBef>
+              <a:spcAft>
+                <a:spcPts val="600"/>
+              </a:spcAft>
+              <a:buClrTx/>
+              <a:buSzTx/>
+              <a:buFontTx/>
+              <a:buChar char="•"/>
+              <a:tabLst/>
+            </a:pPr>
+            <a:r>
+              <a:rPr kumimoji="0" lang="en-US" altLang="en-US" sz="1600" b="0" i="1" u="none" strike="noStrike" cap="none" normalizeH="0" baseline="0" dirty="0">
+                <a:ln>
+                  <a:noFill/>
+                </a:ln>
+                <a:effectLst/>
+                <a:latin typeface="Arial" panose="020B0604020202020204" pitchFamily="34" charset="0"/>
+              </a:rPr>
+              <a:t>Bedrooms per Room</a:t>
+            </a:r>
+            <a:endParaRPr kumimoji="0" lang="en-US" altLang="en-US" sz="1600" b="0" i="0" u="none" strike="noStrike" cap="none" normalizeH="0" baseline="0" dirty="0">
+              <a:ln>
+                <a:noFill/>
+              </a:ln>
+              <a:effectLst/>
+              <a:latin typeface="Arial" panose="020B0604020202020204" pitchFamily="34" charset="0"/>
+            </a:endParaRPr>
+          </a:p>
+          <a:p>
+            <a:pPr marL="0" marR="0" lvl="0" indent="0" defTabSz="914400" rtl="0" eaLnBrk="0" fontAlgn="base" latinLnBrk="0" hangingPunct="0">
+              <a:lnSpc>
+                <a:spcPct val="90000"/>
+              </a:lnSpc>
+              <a:spcBef>
+                <a:spcPct val="0"/>
+              </a:spcBef>
+              <a:spcAft>
+                <a:spcPts val="600"/>
+              </a:spcAft>
+              <a:buClrTx/>
+              <a:buSzTx/>
+              <a:buFontTx/>
+              <a:buChar char="•"/>
+              <a:tabLst/>
+            </a:pPr>
+            <a:r>
+              <a:rPr kumimoji="0" lang="en-US" altLang="en-US" sz="1600" b="0" i="1" u="none" strike="noStrike" cap="none" normalizeH="0" baseline="0" dirty="0">
+                <a:ln>
+                  <a:noFill/>
+                </a:ln>
+                <a:effectLst/>
+                <a:latin typeface="Arial" panose="020B0604020202020204" pitchFamily="34" charset="0"/>
+              </a:rPr>
+              <a:t>Population per Household</a:t>
+            </a:r>
+            <a:endParaRPr kumimoji="0" lang="en-US" altLang="en-US" sz="1600" b="0" i="0" u="none" strike="noStrike" cap="none" normalizeH="0" baseline="0" dirty="0">
+              <a:ln>
+                <a:noFill/>
+              </a:ln>
+              <a:effectLst/>
+              <a:latin typeface="Arial" panose="020B0604020202020204" pitchFamily="34" charset="0"/>
+            </a:endParaRPr>
+          </a:p>
+          <a:p>
+            <a:pPr marL="0" marR="0" lvl="0" indent="0" defTabSz="914400" rtl="0" eaLnBrk="0" fontAlgn="base" latinLnBrk="0" hangingPunct="0">
+              <a:lnSpc>
+                <a:spcPct val="90000"/>
+              </a:lnSpc>
+              <a:spcBef>
+                <a:spcPct val="0"/>
+              </a:spcBef>
+              <a:spcAft>
+                <a:spcPts val="600"/>
+              </a:spcAft>
+              <a:buClrTx/>
+              <a:buSzTx/>
+              <a:buNone/>
+              <a:tabLst/>
+            </a:pPr>
+            <a:endParaRPr kumimoji="0" lang="en-US" altLang="en-US" sz="1600" b="1" i="0" u="none" strike="noStrike" cap="none" normalizeH="0" baseline="0" dirty="0">
+              <a:ln>
+                <a:noFill/>
+              </a:ln>
+              <a:effectLst/>
+              <a:latin typeface="Arial" panose="020B0604020202020204" pitchFamily="34" charset="0"/>
+            </a:endParaRPr>
+          </a:p>
+          <a:p>
+            <a:pPr marL="0" marR="0" lvl="0" indent="0" defTabSz="914400" rtl="0" eaLnBrk="0" fontAlgn="base" latinLnBrk="0" hangingPunct="0">
+              <a:lnSpc>
+                <a:spcPct val="90000"/>
+              </a:lnSpc>
+              <a:spcBef>
+                <a:spcPct val="0"/>
+              </a:spcBef>
+              <a:spcAft>
+                <a:spcPts val="600"/>
+              </a:spcAft>
+              <a:buClrTx/>
+              <a:buSzTx/>
+              <a:buNone/>
+              <a:tabLst/>
+            </a:pPr>
+            <a:r>
+              <a:rPr kumimoji="0" lang="en-US" altLang="en-US" sz="1600" b="1" i="0" u="none" strike="noStrike" cap="none" normalizeH="0" baseline="0" dirty="0">
+                <a:ln>
+                  <a:noFill/>
+                </a:ln>
+                <a:effectLst/>
+                <a:latin typeface="Arial" panose="020B0604020202020204" pitchFamily="34" charset="0"/>
+              </a:rPr>
+              <a:t>Why Ratios?</a:t>
+            </a:r>
+            <a:endParaRPr kumimoji="0" lang="en-US" altLang="en-US" sz="1600" b="0" i="0" u="none" strike="noStrike" cap="none" normalizeH="0" baseline="0" dirty="0">
+              <a:ln>
+                <a:noFill/>
+              </a:ln>
+              <a:effectLst/>
+              <a:latin typeface="Arial" panose="020B0604020202020204" pitchFamily="34" charset="0"/>
+            </a:endParaRPr>
+          </a:p>
+          <a:p>
+            <a:pPr marL="0" marR="0" lvl="0" indent="0" defTabSz="914400" rtl="0" eaLnBrk="0" fontAlgn="base" latinLnBrk="0" hangingPunct="0">
+              <a:lnSpc>
+                <a:spcPct val="90000"/>
+              </a:lnSpc>
+              <a:spcBef>
+                <a:spcPct val="0"/>
+              </a:spcBef>
+              <a:spcAft>
+                <a:spcPts val="600"/>
+              </a:spcAft>
+              <a:buClrTx/>
+              <a:buSzTx/>
+              <a:buFontTx/>
+              <a:buChar char="•"/>
+              <a:tabLst/>
+            </a:pPr>
+            <a:r>
+              <a:rPr kumimoji="0" lang="en-US" altLang="en-US" sz="1600" b="0" i="0" u="none" strike="noStrike" cap="none" normalizeH="0" baseline="0" dirty="0">
+                <a:ln>
+                  <a:noFill/>
+                </a:ln>
+                <a:effectLst/>
+                <a:latin typeface="Arial" panose="020B0604020202020204" pitchFamily="34" charset="0"/>
+              </a:rPr>
+              <a:t>Normalize raw totals</a:t>
+            </a:r>
+          </a:p>
+          <a:p>
+            <a:pPr marL="0" marR="0" lvl="0" indent="0" defTabSz="914400" rtl="0" eaLnBrk="0" fontAlgn="base" latinLnBrk="0" hangingPunct="0">
+              <a:lnSpc>
+                <a:spcPct val="90000"/>
+              </a:lnSpc>
+              <a:spcBef>
+                <a:spcPct val="0"/>
+              </a:spcBef>
+              <a:spcAft>
+                <a:spcPts val="600"/>
+              </a:spcAft>
+              <a:buClrTx/>
+              <a:buSzTx/>
+              <a:buFontTx/>
+              <a:buChar char="•"/>
+              <a:tabLst/>
+            </a:pPr>
+            <a:r>
+              <a:rPr kumimoji="0" lang="en-US" altLang="en-US" sz="1600" b="0" i="0" u="none" strike="noStrike" cap="none" normalizeH="0" baseline="0" dirty="0">
+                <a:ln>
+                  <a:noFill/>
+                </a:ln>
+                <a:effectLst/>
+                <a:latin typeface="Arial" panose="020B0604020202020204" pitchFamily="34" charset="0"/>
+              </a:rPr>
+              <a:t>Capture housing density &amp; living conditions</a:t>
+            </a:r>
+          </a:p>
+          <a:p>
+            <a:pPr marL="0" marR="0" lvl="0" indent="0" defTabSz="914400" rtl="0" eaLnBrk="0" fontAlgn="base" latinLnBrk="0" hangingPunct="0">
+              <a:lnSpc>
+                <a:spcPct val="90000"/>
+              </a:lnSpc>
+              <a:spcBef>
+                <a:spcPct val="0"/>
+              </a:spcBef>
+              <a:spcAft>
+                <a:spcPts val="600"/>
+              </a:spcAft>
+              <a:buClrTx/>
+              <a:buSzTx/>
+              <a:buFontTx/>
+              <a:buChar char="•"/>
+              <a:tabLst/>
+            </a:pPr>
+            <a:r>
+              <a:rPr kumimoji="0" lang="en-US" altLang="en-US" sz="1600" b="0" i="0" u="none" strike="noStrike" cap="none" normalizeH="0" baseline="0" dirty="0">
+                <a:ln>
+                  <a:noFill/>
+                </a:ln>
+                <a:effectLst/>
+                <a:latin typeface="Arial" panose="020B0604020202020204" pitchFamily="34" charset="0"/>
+              </a:rPr>
+              <a:t>Improve model interpretability</a:t>
+            </a:r>
+          </a:p>
+          <a:p>
+            <a:pPr marL="0" marR="0" lvl="0" indent="0" defTabSz="914400" rtl="0" eaLnBrk="0" fontAlgn="base" latinLnBrk="0" hangingPunct="0">
+              <a:lnSpc>
+                <a:spcPct val="90000"/>
+              </a:lnSpc>
+              <a:spcBef>
+                <a:spcPct val="0"/>
+              </a:spcBef>
+              <a:spcAft>
+                <a:spcPts val="600"/>
+              </a:spcAft>
+              <a:buClrTx/>
+              <a:buSzTx/>
+              <a:buNone/>
+              <a:tabLst/>
+            </a:pPr>
+            <a:endParaRPr kumimoji="0" lang="en-US" altLang="en-US" sz="1600" b="1" i="0" u="none" strike="noStrike" cap="none" normalizeH="0" baseline="0" dirty="0">
+              <a:ln>
+                <a:noFill/>
+              </a:ln>
+              <a:effectLst/>
+              <a:latin typeface="Arial" panose="020B0604020202020204" pitchFamily="34" charset="0"/>
+            </a:endParaRPr>
+          </a:p>
+          <a:p>
+            <a:pPr marL="0" marR="0" lvl="0" indent="0" defTabSz="914400" rtl="0" eaLnBrk="0" fontAlgn="base" latinLnBrk="0" hangingPunct="0">
+              <a:lnSpc>
+                <a:spcPct val="90000"/>
+              </a:lnSpc>
+              <a:spcBef>
+                <a:spcPct val="0"/>
+              </a:spcBef>
+              <a:spcAft>
+                <a:spcPts val="600"/>
+              </a:spcAft>
+              <a:buClrTx/>
+              <a:buSzTx/>
+              <a:buNone/>
+              <a:tabLst/>
+            </a:pPr>
+            <a:r>
+              <a:rPr kumimoji="0" lang="en-US" altLang="en-US" sz="1600" b="1" i="0" u="none" strike="noStrike" cap="none" normalizeH="0" baseline="0" dirty="0">
+                <a:ln>
+                  <a:noFill/>
+                </a:ln>
+                <a:effectLst/>
+                <a:latin typeface="Arial" panose="020B0604020202020204" pitchFamily="34" charset="0"/>
+              </a:rPr>
+              <a:t>Transformations:</a:t>
+            </a:r>
+            <a:endParaRPr kumimoji="0" lang="en-US" altLang="en-US" sz="1600" b="0" i="0" u="none" strike="noStrike" cap="none" normalizeH="0" baseline="0" dirty="0">
+              <a:ln>
+                <a:noFill/>
+              </a:ln>
+              <a:effectLst/>
+              <a:latin typeface="Arial" panose="020B0604020202020204" pitchFamily="34" charset="0"/>
+            </a:endParaRPr>
+          </a:p>
+          <a:p>
+            <a:pPr marL="0" marR="0" lvl="0" indent="0" defTabSz="914400" rtl="0" eaLnBrk="0" fontAlgn="base" latinLnBrk="0" hangingPunct="0">
+              <a:lnSpc>
+                <a:spcPct val="90000"/>
+              </a:lnSpc>
+              <a:spcBef>
+                <a:spcPct val="0"/>
+              </a:spcBef>
+              <a:spcAft>
+                <a:spcPts val="600"/>
+              </a:spcAft>
+              <a:buClrTx/>
+              <a:buSzTx/>
+              <a:buFontTx/>
+              <a:buChar char="•"/>
+              <a:tabLst/>
+            </a:pPr>
+            <a:r>
+              <a:rPr kumimoji="0" lang="en-US" altLang="en-US" sz="1600" b="0" i="0" u="none" strike="noStrike" cap="none" normalizeH="0" baseline="0" dirty="0">
+                <a:ln>
+                  <a:noFill/>
+                </a:ln>
+                <a:effectLst/>
+                <a:latin typeface="Arial" panose="020B0604020202020204" pitchFamily="34" charset="0"/>
+              </a:rPr>
+              <a:t>Applied </a:t>
+            </a:r>
+            <a:r>
+              <a:rPr kumimoji="0" lang="en-US" altLang="en-US" sz="1600" b="1" i="0" u="none" strike="noStrike" cap="none" normalizeH="0" baseline="0" dirty="0">
+                <a:ln>
+                  <a:noFill/>
+                </a:ln>
+                <a:effectLst/>
+                <a:latin typeface="Arial" panose="020B0604020202020204" pitchFamily="34" charset="0"/>
+              </a:rPr>
+              <a:t>log transformations</a:t>
+            </a:r>
+            <a:r>
+              <a:rPr kumimoji="0" lang="en-US" altLang="en-US" sz="1600" b="0" i="0" u="none" strike="noStrike" cap="none" normalizeH="0" baseline="0" dirty="0">
+                <a:ln>
+                  <a:noFill/>
+                </a:ln>
+                <a:effectLst/>
+                <a:latin typeface="Arial" panose="020B0604020202020204" pitchFamily="34" charset="0"/>
+              </a:rPr>
+              <a:t> to skewed features (e.g., median income, room ratios)</a:t>
+            </a:r>
+          </a:p>
+          <a:p>
+            <a:pPr marL="0" marR="0" lvl="0" indent="0" defTabSz="914400" rtl="0" eaLnBrk="0" fontAlgn="base" latinLnBrk="0" hangingPunct="0">
+              <a:lnSpc>
+                <a:spcPct val="90000"/>
+              </a:lnSpc>
+              <a:spcBef>
+                <a:spcPct val="0"/>
+              </a:spcBef>
+              <a:spcAft>
+                <a:spcPts val="600"/>
+              </a:spcAft>
+              <a:buClrTx/>
+              <a:buSzTx/>
+              <a:buFontTx/>
+              <a:buChar char="•"/>
+              <a:tabLst/>
+            </a:pPr>
+            <a:r>
+              <a:rPr kumimoji="0" lang="en-US" altLang="en-US" sz="1600" b="0" i="0" u="none" strike="noStrike" cap="none" normalizeH="0" baseline="0" dirty="0">
+                <a:ln>
+                  <a:noFill/>
+                </a:ln>
+                <a:effectLst/>
+                <a:latin typeface="Arial" panose="020B0604020202020204" pitchFamily="34" charset="0"/>
+              </a:rPr>
+              <a:t>Result: More symmetrical distributions and better model fit</a:t>
+            </a:r>
+          </a:p>
+          <a:p>
+            <a:pPr marL="0" marR="0" lvl="0" indent="0" defTabSz="914400" rtl="0" eaLnBrk="0" fontAlgn="base" latinLnBrk="0" hangingPunct="0">
+              <a:lnSpc>
+                <a:spcPct val="90000"/>
+              </a:lnSpc>
+              <a:spcBef>
+                <a:spcPct val="0"/>
+              </a:spcBef>
+              <a:spcAft>
+                <a:spcPts val="600"/>
+              </a:spcAft>
+              <a:buClrTx/>
+              <a:buSzTx/>
+              <a:buNone/>
+              <a:tabLst/>
+            </a:pPr>
+            <a:r>
+              <a:rPr kumimoji="0" lang="en-US" altLang="en-US" sz="1600" b="1" i="0" u="none" strike="noStrike" cap="none" normalizeH="0" baseline="0" dirty="0">
+                <a:ln>
+                  <a:noFill/>
+                </a:ln>
+                <a:effectLst/>
+                <a:latin typeface="Arial" panose="020B0604020202020204" pitchFamily="34" charset="0"/>
+              </a:rPr>
+              <a:t>Stratified Sampling:</a:t>
+            </a:r>
+            <a:endParaRPr kumimoji="0" lang="en-US" altLang="en-US" sz="1600" b="0" i="0" u="none" strike="noStrike" cap="none" normalizeH="0" baseline="0" dirty="0">
+              <a:ln>
+                <a:noFill/>
+              </a:ln>
+              <a:effectLst/>
+              <a:latin typeface="Arial" panose="020B0604020202020204" pitchFamily="34" charset="0"/>
+            </a:endParaRPr>
+          </a:p>
+          <a:p>
+            <a:pPr marL="0" marR="0" lvl="0" indent="0" defTabSz="914400" rtl="0" eaLnBrk="0" fontAlgn="base" latinLnBrk="0" hangingPunct="0">
+              <a:lnSpc>
+                <a:spcPct val="90000"/>
+              </a:lnSpc>
+              <a:spcBef>
+                <a:spcPct val="0"/>
+              </a:spcBef>
+              <a:spcAft>
+                <a:spcPts val="600"/>
+              </a:spcAft>
+              <a:buClrTx/>
+              <a:buSzTx/>
+              <a:buFontTx/>
+              <a:buChar char="•"/>
+              <a:tabLst/>
+            </a:pPr>
+            <a:r>
+              <a:rPr kumimoji="0" lang="en-US" altLang="en-US" sz="1600" b="0" i="0" u="none" strike="noStrike" cap="none" normalizeH="0" baseline="0" dirty="0">
+                <a:ln>
+                  <a:noFill/>
+                </a:ln>
+                <a:effectLst/>
+                <a:latin typeface="Arial" panose="020B0604020202020204" pitchFamily="34" charset="0"/>
+              </a:rPr>
+              <a:t>Binned </a:t>
+            </a:r>
+            <a:r>
+              <a:rPr kumimoji="0" lang="en-US" altLang="en-US" sz="1600" b="0" i="1" u="none" strike="noStrike" cap="none" normalizeH="0" baseline="0" dirty="0">
+                <a:ln>
+                  <a:noFill/>
+                </a:ln>
+                <a:effectLst/>
+                <a:latin typeface="Arial" panose="020B0604020202020204" pitchFamily="34" charset="0"/>
+              </a:rPr>
+              <a:t>median income</a:t>
+            </a:r>
+            <a:r>
+              <a:rPr kumimoji="0" lang="en-US" altLang="en-US" sz="1600" b="0" i="0" u="none" strike="noStrike" cap="none" normalizeH="0" baseline="0" dirty="0">
+                <a:ln>
+                  <a:noFill/>
+                </a:ln>
+                <a:effectLst/>
+                <a:latin typeface="Arial" panose="020B0604020202020204" pitchFamily="34" charset="0"/>
+              </a:rPr>
+              <a:t> into </a:t>
+            </a:r>
+            <a:r>
+              <a:rPr kumimoji="0" lang="en-US" altLang="en-US" sz="1600" b="1" i="0" u="none" strike="noStrike" cap="none" normalizeH="0" baseline="0" dirty="0">
+                <a:ln>
+                  <a:noFill/>
+                </a:ln>
+                <a:effectLst/>
+                <a:latin typeface="Arial" panose="020B0604020202020204" pitchFamily="34" charset="0"/>
+              </a:rPr>
+              <a:t>five categories</a:t>
+            </a:r>
+            <a:endParaRPr kumimoji="0" lang="en-US" altLang="en-US" sz="1600" b="0" i="0" u="none" strike="noStrike" cap="none" normalizeH="0" baseline="0" dirty="0">
+              <a:ln>
+                <a:noFill/>
+              </a:ln>
+              <a:effectLst/>
+              <a:latin typeface="Arial" panose="020B0604020202020204" pitchFamily="34" charset="0"/>
+            </a:endParaRPr>
+          </a:p>
+          <a:p>
+            <a:pPr marL="0" marR="0" lvl="0" indent="0" defTabSz="914400" rtl="0" eaLnBrk="0" fontAlgn="base" latinLnBrk="0" hangingPunct="0">
+              <a:lnSpc>
+                <a:spcPct val="90000"/>
+              </a:lnSpc>
+              <a:spcBef>
+                <a:spcPct val="0"/>
+              </a:spcBef>
+              <a:spcAft>
+                <a:spcPts val="600"/>
+              </a:spcAft>
+              <a:buClrTx/>
+              <a:buSzTx/>
+              <a:buFontTx/>
+              <a:buChar char="•"/>
+              <a:tabLst/>
+            </a:pPr>
+            <a:r>
+              <a:rPr kumimoji="0" lang="en-US" altLang="en-US" sz="1600" b="0" i="0" u="none" strike="noStrike" cap="none" normalizeH="0" baseline="0" dirty="0">
+                <a:ln>
+                  <a:noFill/>
+                </a:ln>
+                <a:effectLst/>
+                <a:latin typeface="Arial" panose="020B0604020202020204" pitchFamily="34" charset="0"/>
+              </a:rPr>
+              <a:t>Ensured balanced 80/20 train-test split across income levels</a:t>
+            </a:r>
+          </a:p>
+          <a:p>
+            <a:pPr marL="0" marR="0" lvl="0" indent="0" defTabSz="914400" rtl="0" eaLnBrk="0" fontAlgn="base" latinLnBrk="0" hangingPunct="0">
+              <a:lnSpc>
+                <a:spcPct val="90000"/>
+              </a:lnSpc>
+              <a:spcBef>
+                <a:spcPct val="0"/>
+              </a:spcBef>
+              <a:spcAft>
+                <a:spcPts val="600"/>
+              </a:spcAft>
+              <a:buClrTx/>
+              <a:buSzTx/>
+              <a:buFontTx/>
+              <a:buNone/>
+              <a:tabLst/>
+            </a:pPr>
+            <a:endParaRPr kumimoji="0" lang="en-US" altLang="en-US" sz="1600" b="0" i="0" u="none" strike="noStrike" cap="none" normalizeH="0" baseline="0" dirty="0">
+              <a:ln>
+                <a:noFill/>
+              </a:ln>
+              <a:effectLst/>
+              <a:latin typeface="Arial" panose="020B0604020202020204" pitchFamily="34" charset="0"/>
+            </a:endParaRPr>
           </a:p>
         </p:txBody>
       </p:sp>
     </p:spTree>
+    <p:extLst>
+      <p:ext uri="{BB962C8B-B14F-4D97-AF65-F5344CB8AC3E}">
+        <p14:creationId xmlns:p14="http://schemas.microsoft.com/office/powerpoint/2010/main" val="3904842351"/>
+      </p:ext>
+    </p:extLst>
   </p:cSld>
   <p:clrMapOvr>
     <a:masterClrMapping/>
@@ -7353,7 +11131,7 @@
           <a:lstStyle/>
           <a:p>
             <a:r>
-              <a:t>Model Performance</a:t>
+              <a:t>Modeling Approach</a:t>
             </a:r>
           </a:p>
         </p:txBody>
@@ -7374,66 +11152,26 @@
           <a:lstStyle/>
           <a:p>
             <a:r>
-              <a:t>Dummy: MAE $92,837, R² ≈ 0</a:t>
-            </a:r>
-          </a:p>
-          <a:p>
-            <a:r>
-              <a:t>Linear: MAE $50,413, R² 0.649</a:t>
-            </a:r>
-          </a:p>
-          <a:p>
-            <a:r>
-              <a:t>Random Forest: MAE $31,678, R² 0.826</a:t>
-            </a:r>
-          </a:p>
-          <a:p>
-            <a:r>
-              <a:t>Gradient Boosting: MAE $39,267, R² 0.766</a:t>
-            </a:r>
-          </a:p>
-        </p:txBody>
-      </p:sp>
-      <p:pic>
-        <p:nvPicPr>
-          <p:cNvPr id="5" name="Picture 4">
-            <a:extLst>
-              <a:ext uri="{FF2B5EF4-FFF2-40B4-BE49-F238E27FC236}">
-                <a16:creationId xmlns:a16="http://schemas.microsoft.com/office/drawing/2014/main" id="{88C17F44-4E5D-DB89-DF01-E78D3DA3FFF5}"/>
-              </a:ext>
-            </a:extLst>
-          </p:cNvPr>
-          <p:cNvPicPr>
-            <a:picLocks noChangeAspect="1"/>
-          </p:cNvPicPr>
-          <p:nvPr/>
-        </p:nvPicPr>
-        <p:blipFill>
-          <a:blip r:embed="rId2"/>
-          <a:stretch>
-            <a:fillRect/>
-          </a:stretch>
-        </p:blipFill>
-        <p:spPr>
-          <a:xfrm>
-            <a:off x="745997" y="4288867"/>
-            <a:ext cx="6602973" cy="1660997"/>
-          </a:xfrm>
-          <a:prstGeom prst="rect">
-            <a:avLst/>
-          </a:prstGeom>
-          <a:ln>
-            <a:noFill/>
-          </a:ln>
-          <a:effectLst>
-            <a:outerShdw blurRad="292100" dist="139700" dir="2700000" algn="tl" rotWithShape="0">
-              <a:srgbClr val="333333">
-                <a:alpha val="65000"/>
-              </a:srgbClr>
-            </a:outerShdw>
-          </a:effectLst>
-        </p:spPr>
-      </p:pic>
+              <a:t>Dummy Regressor: Predicts mean</a:t>
+            </a:r>
+          </a:p>
+          <a:p>
+            <a:r>
+              <a:t>Linear Regression: Straight-line fit</a:t>
+            </a:r>
+          </a:p>
+          <a:p>
+            <a:r>
+              <a:t>Random Forest: Ensemble trees for non-linear patterns</a:t>
+            </a:r>
+          </a:p>
+          <a:p>
+            <a:r>
+              <a:t>Gradient Boosting: Sequential error correction</a:t>
+            </a:r>
+          </a:p>
+        </p:txBody>
+      </p:sp>
     </p:spTree>
   </p:cSld>
   <p:clrMapOvr>
